--- a/2025_М_ПІ_ІПЗм-23-1_Шагун_А_С.pptx
+++ b/2025_М_ПІ_ІПЗм-23-1_Шагун_А_С.pptx
@@ -950,7 +950,42 @@
               </a:spcAft>
               <a:buNone/>
             </a:pPr>
-            <a:endParaRPr/>
+            <a:r>
+              <a:rPr lang="uk-UA" b="1" dirty="0"/>
+              <a:t>Прототипом є програмна система на </a:t>
+            </a:r>
+            <a:r>
+              <a:rPr lang="en-US" b="1" dirty="0"/>
+              <a:t>Python</a:t>
+            </a:r>
+            <a:r>
+              <a:rPr lang="uk-UA" b="1" dirty="0"/>
+              <a:t>. Вона складається з модулів </a:t>
+            </a:r>
+            <a:r>
+              <a:rPr lang="uk-UA" b="1" dirty="0" err="1"/>
+              <a:t>передобробки</a:t>
+            </a:r>
+            <a:r>
+              <a:rPr lang="uk-UA" b="1" dirty="0"/>
+              <a:t>, навчання, оцінки та тестування.</a:t>
+            </a:r>
+            <a:br>
+              <a:rPr lang="en-US" dirty="0"/>
+            </a:br>
+            <a:r>
+              <a:rPr lang="uk-UA" b="1" dirty="0"/>
+              <a:t>Усі модулі працюють із єдиним підготовленим </a:t>
+            </a:r>
+            <a:r>
+              <a:rPr lang="uk-UA" b="1" dirty="0" err="1"/>
+              <a:t>датасетом</a:t>
+            </a:r>
+            <a:r>
+              <a:rPr lang="uk-UA" b="1" dirty="0"/>
+              <a:t> і забезпечують однакові умови для порівняння якості класифікації.</a:t>
+            </a:r>
+            <a:endParaRPr dirty="0"/>
           </a:p>
         </p:txBody>
       </p:sp>
@@ -1068,16 +1103,122 @@
           </a:bodyPr>
           <a:lstStyle/>
           <a:p>
-            <a:pPr marL="0" lvl="0" indent="0" algn="l" rtl="0">
-              <a:spcBef>
-                <a:spcPts val="0"/>
-              </a:spcBef>
-              <a:spcAft>
-                <a:spcPts val="0"/>
-              </a:spcAft>
-              <a:buNone/>
+            <a:pPr marL="0" marR="0" lvl="0" indent="0" algn="l" defTabSz="914400" rtl="0" eaLnBrk="1" fontAlgn="auto" latinLnBrk="0" hangingPunct="1">
+              <a:lnSpc>
+                <a:spcPct val="100000"/>
+              </a:lnSpc>
+              <a:spcBef>
+                <a:spcPts val="0"/>
+              </a:spcBef>
+              <a:spcAft>
+                <a:spcPts val="0"/>
+              </a:spcAft>
+              <a:buClr>
+                <a:srgbClr val="000000"/>
+              </a:buClr>
+              <a:buSzPts val="1100"/>
+              <a:buFont typeface="Arial"/>
+              <a:buNone/>
+              <a:tabLst/>
+              <a:defRPr/>
             </a:pPr>
-            <a:endParaRPr/>
+            <a:r>
+              <a:rPr lang="ru-RU" noProof="0" dirty="0" err="1"/>
+              <a:t>Розробка</a:t>
+            </a:r>
+            <a:r>
+              <a:rPr lang="ru-RU" noProof="0" dirty="0"/>
+              <a:t> </a:t>
+            </a:r>
+            <a:r>
+              <a:rPr lang="ru-RU" noProof="0" dirty="0" err="1"/>
+              <a:t>додатка</a:t>
+            </a:r>
+            <a:r>
+              <a:rPr lang="ru-RU" noProof="0" dirty="0"/>
+              <a:t> </a:t>
+            </a:r>
+            <a:r>
+              <a:rPr lang="ru-RU" noProof="0" dirty="0" err="1"/>
+              <a:t>проводилася</a:t>
+            </a:r>
+            <a:r>
+              <a:rPr lang="ru-RU" noProof="0" dirty="0"/>
+              <a:t> </a:t>
+            </a:r>
+            <a:r>
+              <a:rPr lang="ru-RU" noProof="0" dirty="0" err="1"/>
+              <a:t>поетапно</a:t>
+            </a:r>
+            <a:r>
+              <a:rPr lang="ru-RU" noProof="0" dirty="0"/>
+              <a:t> на </a:t>
+            </a:r>
+            <a:r>
+              <a:rPr lang="ru-RU" noProof="0" dirty="0" err="1"/>
+              <a:t>основі</a:t>
+            </a:r>
+            <a:r>
+              <a:rPr lang="ru-RU" noProof="0" dirty="0"/>
+              <a:t> теоретичного </a:t>
+            </a:r>
+            <a:r>
+              <a:rPr lang="ru-RU" noProof="0" dirty="0" err="1"/>
+              <a:t>дослідження</a:t>
+            </a:r>
+            <a:r>
+              <a:rPr lang="ru-RU" noProof="0" dirty="0"/>
+              <a:t>: </a:t>
+            </a:r>
+            <a:r>
+              <a:rPr lang="ru-RU" noProof="0" dirty="0" err="1"/>
+              <a:t>від</a:t>
+            </a:r>
+            <a:r>
+              <a:rPr lang="ru-RU" noProof="0" dirty="0"/>
+              <a:t> </a:t>
+            </a:r>
+            <a:r>
+              <a:rPr lang="ru-RU" noProof="0" dirty="0" err="1"/>
+              <a:t>розробки</a:t>
+            </a:r>
+            <a:r>
+              <a:rPr lang="ru-RU" noProof="0" dirty="0"/>
+              <a:t> </a:t>
+            </a:r>
+            <a:r>
+              <a:rPr lang="ru-RU" noProof="0" dirty="0" err="1"/>
+              <a:t>структури</a:t>
+            </a:r>
+            <a:r>
+              <a:rPr lang="ru-RU" noProof="0" dirty="0"/>
+              <a:t> </a:t>
+            </a:r>
+            <a:r>
+              <a:rPr lang="ru-RU" noProof="0" dirty="0" err="1"/>
+              <a:t>програми</a:t>
+            </a:r>
+            <a:r>
+              <a:rPr lang="ru-RU" noProof="0" dirty="0"/>
+              <a:t> до </a:t>
+            </a:r>
+            <a:r>
+              <a:rPr lang="ru-RU" noProof="0" dirty="0" err="1"/>
+              <a:t>реалізації</a:t>
+            </a:r>
+            <a:r>
+              <a:rPr lang="ru-RU" noProof="0" dirty="0"/>
+              <a:t> </a:t>
+            </a:r>
+            <a:r>
+              <a:rPr lang="ru-RU" noProof="0" dirty="0" err="1"/>
+              <a:t>інтерфейса</a:t>
+            </a:r>
+            <a:r>
+              <a:rPr lang="ru-RU" noProof="0" dirty="0"/>
+              <a:t>.</a:t>
+            </a:r>
+            <a:endParaRPr dirty="0"/>
           </a:p>
         </p:txBody>
       </p:sp>
@@ -1769,6 +1910,64 @@
           </a:bodyPr>
           <a:lstStyle/>
           <a:p>
+            <a:r>
+              <a:rPr lang="en-US" b="1" dirty="0" err="1"/>
+              <a:t>XGBoost</a:t>
+            </a:r>
+            <a:r>
+              <a:rPr lang="en-US" dirty="0"/>
+              <a:t> </a:t>
+            </a:r>
+            <a:r>
+              <a:rPr lang="uk-UA" dirty="0"/>
+              <a:t>продемонструвала найвищі значення за всіма трьома ключовими метриками: точність (91%), повнота (92%) та точність позитивного класу (93%). Це свідчить про її високу ефективність для виявлення фейкових новин.</a:t>
+            </a:r>
+          </a:p>
+          <a:p>
+            <a:r>
+              <a:rPr lang="uk-UA" b="1" dirty="0"/>
+              <a:t>Метод опорних векторів (</a:t>
+            </a:r>
+            <a:r>
+              <a:rPr lang="en-US" b="1" dirty="0"/>
+              <a:t>SVM)</a:t>
+            </a:r>
+            <a:r>
+              <a:rPr lang="en-US" dirty="0"/>
+              <a:t> </a:t>
+            </a:r>
+            <a:r>
+              <a:rPr lang="uk-UA" dirty="0"/>
+              <a:t>показав другу за якістю класифікацію: 90% точності, 89% повноти та 90% </a:t>
+            </a:r>
+            <a:r>
+              <a:rPr lang="en-US" dirty="0"/>
+              <a:t>precision. </a:t>
+            </a:r>
+            <a:r>
+              <a:rPr lang="uk-UA" dirty="0"/>
+              <a:t>Його можна розглядати як стабільний варіант.</a:t>
+            </a:r>
+          </a:p>
+          <a:p>
+            <a:r>
+              <a:rPr lang="uk-UA" b="1" dirty="0"/>
+              <a:t>Логістична регресія</a:t>
+            </a:r>
+            <a:r>
+              <a:rPr lang="uk-UA" dirty="0"/>
+              <a:t> </a:t>
+            </a:r>
+            <a:r>
+              <a:rPr lang="uk-UA" b="0" dirty="0"/>
+              <a:t>очікувано </a:t>
+            </a:r>
+            <a:r>
+              <a:rPr lang="uk-UA" dirty="0"/>
+              <a:t>поступається іншим моделям за всіма трьома показниками, але вона є найшвидшою і найлегшою у впровадженні</a:t>
+            </a:r>
+          </a:p>
+          <a:p>
             <a:pPr marL="0" lvl="0" indent="0" algn="l" rtl="0">
               <a:spcBef>
                 <a:spcPts val="0"/>
@@ -1778,7 +1977,7 @@
               </a:spcAft>
               <a:buNone/>
             </a:pPr>
-            <a:endParaRPr/>
+            <a:endParaRPr dirty="0"/>
           </a:p>
         </p:txBody>
       </p:sp>
@@ -1896,6 +2095,262 @@
           </a:bodyPr>
           <a:lstStyle/>
           <a:p>
+            <a:pPr marL="0" marR="0" lvl="0" indent="0" algn="l" defTabSz="914400" rtl="0" eaLnBrk="1" fontAlgn="auto" latinLnBrk="0" hangingPunct="1">
+              <a:lnSpc>
+                <a:spcPct val="100000"/>
+              </a:lnSpc>
+              <a:spcBef>
+                <a:spcPts val="0"/>
+              </a:spcBef>
+              <a:spcAft>
+                <a:spcPts val="0"/>
+              </a:spcAft>
+              <a:buClr>
+                <a:srgbClr val="000000"/>
+              </a:buClr>
+              <a:buSzPts val="1100"/>
+              <a:buFont typeface="Arial"/>
+              <a:buNone/>
+              <a:tabLst/>
+              <a:defRPr/>
+            </a:pPr>
+            <a:r>
+              <a:rPr lang="ru-RU" sz="1100" b="0" i="0" u="none" strike="noStrike" cap="none" dirty="0" err="1">
+                <a:solidFill>
+                  <a:srgbClr val="000000"/>
+                </a:solidFill>
+                <a:effectLst/>
+                <a:latin typeface="Arial"/>
+                <a:ea typeface="Arial"/>
+                <a:cs typeface="Arial"/>
+                <a:sym typeface="Arial"/>
+              </a:rPr>
+              <a:t>Результати</a:t>
+            </a:r>
+            <a:r>
+              <a:rPr lang="ru-RU" sz="1100" b="0" i="0" u="none" strike="noStrike" cap="none" dirty="0">
+                <a:solidFill>
+                  <a:srgbClr val="000000"/>
+                </a:solidFill>
+                <a:effectLst/>
+                <a:latin typeface="Arial"/>
+                <a:ea typeface="Arial"/>
+                <a:cs typeface="Arial"/>
+                <a:sym typeface="Arial"/>
+              </a:rPr>
+              <a:t> </a:t>
+            </a:r>
+            <a:r>
+              <a:rPr lang="ru-RU" sz="1100" b="0" i="0" u="none" strike="noStrike" cap="none" dirty="0" err="1">
+                <a:solidFill>
+                  <a:srgbClr val="000000"/>
+                </a:solidFill>
+                <a:effectLst/>
+                <a:latin typeface="Arial"/>
+                <a:ea typeface="Arial"/>
+                <a:cs typeface="Arial"/>
+                <a:sym typeface="Arial"/>
+              </a:rPr>
+              <a:t>дослідження</a:t>
+            </a:r>
+            <a:r>
+              <a:rPr lang="ru-RU" sz="1100" b="0" i="0" u="none" strike="noStrike" cap="none" dirty="0">
+                <a:solidFill>
+                  <a:srgbClr val="000000"/>
+                </a:solidFill>
+                <a:effectLst/>
+                <a:latin typeface="Arial"/>
+                <a:ea typeface="Arial"/>
+                <a:cs typeface="Arial"/>
+                <a:sym typeface="Arial"/>
+              </a:rPr>
+              <a:t> були </a:t>
+            </a:r>
+            <a:r>
+              <a:rPr lang="ru-RU" sz="1100" b="0" i="0" u="none" strike="noStrike" cap="none" dirty="0" err="1">
+                <a:solidFill>
+                  <a:srgbClr val="000000"/>
+                </a:solidFill>
+                <a:effectLst/>
+                <a:latin typeface="Arial"/>
+                <a:ea typeface="Arial"/>
+                <a:cs typeface="Arial"/>
+                <a:sym typeface="Arial"/>
+              </a:rPr>
+              <a:t>представлені</a:t>
+            </a:r>
+            <a:r>
+              <a:rPr lang="ru-RU" sz="1100" b="0" i="0" u="none" strike="noStrike" cap="none" dirty="0">
+                <a:solidFill>
+                  <a:srgbClr val="000000"/>
+                </a:solidFill>
+                <a:effectLst/>
+                <a:latin typeface="Arial"/>
+                <a:ea typeface="Arial"/>
+                <a:cs typeface="Arial"/>
+                <a:sym typeface="Arial"/>
+              </a:rPr>
+              <a:t> на </a:t>
+            </a:r>
+            <a:r>
+              <a:rPr lang="ru-RU" sz="1100" b="0" i="0" u="none" strike="noStrike" cap="none" dirty="0" err="1">
+                <a:solidFill>
+                  <a:srgbClr val="000000"/>
+                </a:solidFill>
+                <a:effectLst/>
+                <a:latin typeface="Arial"/>
+                <a:ea typeface="Arial"/>
+                <a:cs typeface="Arial"/>
+                <a:sym typeface="Arial"/>
+              </a:rPr>
+              <a:t>молодіжній</a:t>
+            </a:r>
+            <a:r>
+              <a:rPr lang="ru-RU" sz="1100" b="0" i="0" u="none" strike="noStrike" cap="none" dirty="0">
+                <a:solidFill>
+                  <a:srgbClr val="000000"/>
+                </a:solidFill>
+                <a:effectLst/>
+                <a:latin typeface="Arial"/>
+                <a:ea typeface="Arial"/>
+                <a:cs typeface="Arial"/>
+                <a:sym typeface="Arial"/>
+              </a:rPr>
+              <a:t> </a:t>
+            </a:r>
+            <a:r>
+              <a:rPr lang="ru-RU" sz="1100" b="0" i="0" u="none" strike="noStrike" cap="none" dirty="0" err="1">
+                <a:solidFill>
+                  <a:srgbClr val="000000"/>
+                </a:solidFill>
+                <a:effectLst/>
+                <a:latin typeface="Arial"/>
+                <a:ea typeface="Arial"/>
+                <a:cs typeface="Arial"/>
+                <a:sym typeface="Arial"/>
+              </a:rPr>
+              <a:t>конференції</a:t>
+            </a:r>
+            <a:r>
+              <a:rPr lang="ru-RU" sz="1100" b="0" i="0" u="none" strike="noStrike" cap="none" dirty="0">
+                <a:solidFill>
+                  <a:srgbClr val="000000"/>
+                </a:solidFill>
+                <a:effectLst/>
+                <a:latin typeface="Arial"/>
+                <a:ea typeface="Arial"/>
+                <a:cs typeface="Arial"/>
+                <a:sym typeface="Arial"/>
+              </a:rPr>
+              <a:t>, яка </a:t>
+            </a:r>
+            <a:r>
+              <a:rPr lang="ru-RU" sz="1100" b="0" i="0" u="none" strike="noStrike" cap="none" dirty="0" err="1">
+                <a:solidFill>
+                  <a:srgbClr val="000000"/>
+                </a:solidFill>
+                <a:effectLst/>
+                <a:latin typeface="Arial"/>
+                <a:ea typeface="Arial"/>
+                <a:cs typeface="Arial"/>
+                <a:sym typeface="Arial"/>
+              </a:rPr>
+              <a:t>проводилася</a:t>
+            </a:r>
+            <a:r>
+              <a:rPr lang="ru-RU" sz="1100" b="0" i="0" u="none" strike="noStrike" cap="none" dirty="0">
+                <a:solidFill>
+                  <a:srgbClr val="000000"/>
+                </a:solidFill>
+                <a:effectLst/>
+                <a:latin typeface="Arial"/>
+                <a:ea typeface="Arial"/>
+                <a:cs typeface="Arial"/>
+                <a:sym typeface="Arial"/>
+              </a:rPr>
+              <a:t> в межах 1-ї </a:t>
+            </a:r>
+            <a:r>
+              <a:rPr lang="ru-RU" sz="1100" b="0" i="0" u="none" strike="noStrike" cap="none" dirty="0" err="1">
+                <a:solidFill>
+                  <a:srgbClr val="000000"/>
+                </a:solidFill>
+                <a:effectLst/>
+                <a:latin typeface="Arial"/>
+                <a:ea typeface="Arial"/>
+                <a:cs typeface="Arial"/>
+                <a:sym typeface="Arial"/>
+              </a:rPr>
+              <a:t>Міжнародної</a:t>
+            </a:r>
+            <a:r>
+              <a:rPr lang="ru-RU" sz="1100" b="0" i="0" u="none" strike="noStrike" cap="none" dirty="0">
+                <a:solidFill>
+                  <a:srgbClr val="000000"/>
+                </a:solidFill>
+                <a:effectLst/>
+                <a:latin typeface="Arial"/>
+                <a:ea typeface="Arial"/>
+                <a:cs typeface="Arial"/>
+                <a:sym typeface="Arial"/>
+              </a:rPr>
+              <a:t> </a:t>
+            </a:r>
+            <a:r>
+              <a:rPr lang="ru-RU" sz="1100" b="0" i="0" u="none" strike="noStrike" cap="none" dirty="0" err="1">
+                <a:solidFill>
+                  <a:srgbClr val="000000"/>
+                </a:solidFill>
+                <a:effectLst/>
+                <a:latin typeface="Arial"/>
+                <a:ea typeface="Arial"/>
+                <a:cs typeface="Arial"/>
+                <a:sym typeface="Arial"/>
+              </a:rPr>
+              <a:t>науково-практичної</a:t>
+            </a:r>
+            <a:r>
+              <a:rPr lang="ru-RU" sz="1100" b="0" i="0" u="none" strike="noStrike" cap="none" dirty="0">
+                <a:solidFill>
+                  <a:srgbClr val="000000"/>
+                </a:solidFill>
+                <a:effectLst/>
+                <a:latin typeface="Arial"/>
+                <a:ea typeface="Arial"/>
+                <a:cs typeface="Arial"/>
+                <a:sym typeface="Arial"/>
+              </a:rPr>
+              <a:t> </a:t>
+            </a:r>
+            <a:r>
+              <a:rPr lang="ru-RU" sz="1100" b="0" i="0" u="none" strike="noStrike" cap="none" dirty="0" err="1">
+                <a:solidFill>
+                  <a:srgbClr val="000000"/>
+                </a:solidFill>
+                <a:effectLst/>
+                <a:latin typeface="Arial"/>
+                <a:ea typeface="Arial"/>
+                <a:cs typeface="Arial"/>
+                <a:sym typeface="Arial"/>
+              </a:rPr>
+              <a:t>конференції</a:t>
+            </a:r>
+            <a:r>
+              <a:rPr lang="ru-RU" sz="1100" b="0" i="0" u="none" strike="noStrike" cap="none" dirty="0">
+                <a:solidFill>
+                  <a:srgbClr val="000000"/>
+                </a:solidFill>
+                <a:effectLst/>
+                <a:latin typeface="Arial"/>
+                <a:ea typeface="Arial"/>
+                <a:cs typeface="Arial"/>
+                <a:sym typeface="Arial"/>
+              </a:rPr>
+              <a:t> «СУЧАСНІ ІНФОРМАЦІЙНІ ТЕХНОЛОГІЇ ТА СИСТЕМИ ШТУЧНОГО ІНТЕЛЕКТУ».</a:t>
+            </a:r>
+            <a:endParaRPr lang="ru-RU" dirty="0"/>
+          </a:p>
+          <a:p>
             <a:pPr marL="0" lvl="0" indent="0" algn="l" rtl="0">
               <a:spcBef>
                 <a:spcPts val="0"/>
@@ -1905,7 +2360,7 @@
               </a:spcAft>
               <a:buNone/>
             </a:pPr>
-            <a:endParaRPr/>
+            <a:endParaRPr dirty="0"/>
           </a:p>
         </p:txBody>
       </p:sp>
@@ -2023,16 +2478,82 @@
           </a:bodyPr>
           <a:lstStyle/>
           <a:p>
-            <a:pPr marL="0" lvl="0" indent="0" algn="l" rtl="0">
-              <a:spcBef>
-                <a:spcPts val="0"/>
-              </a:spcBef>
-              <a:spcAft>
-                <a:spcPts val="0"/>
-              </a:spcAft>
-              <a:buNone/>
+            <a:pPr marL="0" marR="0" lvl="0" indent="0" algn="l" defTabSz="914400" rtl="0" eaLnBrk="1" fontAlgn="auto" latinLnBrk="0" hangingPunct="1">
+              <a:lnSpc>
+                <a:spcPct val="100000"/>
+              </a:lnSpc>
+              <a:spcBef>
+                <a:spcPts val="0"/>
+              </a:spcBef>
+              <a:spcAft>
+                <a:spcPts val="0"/>
+              </a:spcAft>
+              <a:buClr>
+                <a:srgbClr val="000000"/>
+              </a:buClr>
+              <a:buSzPts val="1100"/>
+              <a:buFont typeface="Arial"/>
+              <a:buNone/>
+              <a:tabLst/>
+              <a:defRPr/>
             </a:pPr>
-            <a:endParaRPr dirty="0"/>
+            <a:r>
+              <a:rPr lang="uk-UA" dirty="0"/>
+              <a:t>Теоретичне та експериментальне дослідження продемонструвало ефективність використання моделей машинного навчання для класифікації фейкових новин. Реалізована </a:t>
+            </a:r>
+            <a:r>
+              <a:rPr lang="en-US" dirty="0"/>
+              <a:t>Python-</a:t>
+            </a:r>
+            <a:r>
+              <a:rPr lang="uk-UA" dirty="0"/>
+              <a:t>система дозволила виконати комплексне порівняння підходів за низкою метрик, включно з точністю, швидкодією та простотою впровадження.</a:t>
+            </a:r>
+          </a:p>
+          <a:p>
+            <a:pPr marL="158750" indent="0">
+              <a:buNone/>
+            </a:pPr>
+            <a:r>
+              <a:rPr lang="uk-UA" dirty="0"/>
+              <a:t>Результати підтвердили, що не існує універсального рішення для всіх задач. Натомість вибір моделі повинен базуватись на вимогах до конкретного застосування: – </a:t>
+            </a:r>
+            <a:r>
+              <a:rPr lang="en-US" b="1" dirty="0" err="1"/>
+              <a:t>XGBoost</a:t>
+            </a:r>
+            <a:r>
+              <a:rPr lang="en-US" dirty="0"/>
+              <a:t> — </a:t>
+            </a:r>
+            <a:r>
+              <a:rPr lang="uk-UA" dirty="0"/>
+              <a:t>найвища точність, рекомендована для задач з високими вимогами до якості класифікації; – </a:t>
+            </a:r>
+            <a:r>
+              <a:rPr lang="en-US" b="1" dirty="0"/>
+              <a:t>Logistic Regression</a:t>
+            </a:r>
+            <a:r>
+              <a:rPr lang="en-US" dirty="0"/>
+              <a:t> — </a:t>
+            </a:r>
+            <a:r>
+              <a:rPr lang="uk-UA" dirty="0"/>
+              <a:t>найшвидша модель з простою реалізацією, оптимальна для швидкого впровадження; – </a:t>
+            </a:r>
+            <a:r>
+              <a:rPr lang="en-US" b="1" dirty="0"/>
+              <a:t>SVM</a:t>
+            </a:r>
+            <a:r>
+              <a:rPr lang="en-US" dirty="0"/>
+              <a:t> — </a:t>
+            </a:r>
+            <a:r>
+              <a:rPr lang="uk-UA" dirty="0"/>
+              <a:t>компромісний варіант із хорошими метриками та стабільною поведінкою.</a:t>
+            </a:r>
           </a:p>
         </p:txBody>
       </p:sp>
@@ -2159,7 +2680,7 @@
               </a:spcAft>
               <a:buNone/>
             </a:pPr>
-            <a:endParaRPr/>
+            <a:endParaRPr dirty="0"/>
           </a:p>
         </p:txBody>
       </p:sp>
@@ -2259,16 +2780,29 @@
           </a:bodyPr>
           <a:lstStyle/>
           <a:p>
-            <a:pPr marL="0" lvl="0" indent="0" algn="l" rtl="0">
-              <a:spcBef>
-                <a:spcPts val="0"/>
-              </a:spcBef>
-              <a:spcAft>
-                <a:spcPts val="0"/>
-              </a:spcAft>
-              <a:buNone/>
+            <a:pPr marL="0" marR="0" lvl="0" indent="0" algn="l" defTabSz="914400" rtl="0" eaLnBrk="1" fontAlgn="auto" latinLnBrk="0" hangingPunct="1">
+              <a:lnSpc>
+                <a:spcPct val="100000"/>
+              </a:lnSpc>
+              <a:spcBef>
+                <a:spcPts val="0"/>
+              </a:spcBef>
+              <a:spcAft>
+                <a:spcPts val="0"/>
+              </a:spcAft>
+              <a:buClr>
+                <a:srgbClr val="000000"/>
+              </a:buClr>
+              <a:buSzPts val="1100"/>
+              <a:buFont typeface="Arial"/>
+              <a:buNone/>
+              <a:tabLst/>
+              <a:defRPr/>
             </a:pPr>
-            <a:endParaRPr/>
+            <a:r>
+              <a:rPr lang="uk-UA" dirty="0"/>
+              <a:t>Сьогодні фейкові новини є серйозною загрозою для інформаційної безпеки суспільства. Особливо актуальним є це питання в умовах воєнного часу, інформаційної війни, а також поширення контенту через соціальні мережі.</a:t>
+            </a:r>
           </a:p>
         </p:txBody>
       </p:sp>
@@ -2381,6 +2915,207 @@
           </a:bodyPr>
           <a:lstStyle/>
           <a:p>
+            <a:pPr marL="0" marR="0" lvl="0" indent="0" algn="l" defTabSz="914400" rtl="0" eaLnBrk="1" fontAlgn="auto" latinLnBrk="0" hangingPunct="1">
+              <a:lnSpc>
+                <a:spcPct val="100000"/>
+              </a:lnSpc>
+              <a:spcBef>
+                <a:spcPts val="0"/>
+              </a:spcBef>
+              <a:spcAft>
+                <a:spcPts val="0"/>
+              </a:spcAft>
+              <a:buClr>
+                <a:srgbClr val="000000"/>
+              </a:buClr>
+              <a:buSzPts val="1100"/>
+              <a:buFont typeface="Arial"/>
+              <a:buNone/>
+              <a:tabLst/>
+              <a:defRPr/>
+            </a:pPr>
+            <a:r>
+              <a:rPr lang="uk-UA" dirty="0"/>
+              <a:t>Зробив огляд джерел, де основний акцент на:</a:t>
+            </a:r>
+          </a:p>
+          <a:p>
+            <a:pPr marL="0" marR="0" lvl="0" indent="0" algn="l" defTabSz="914400" rtl="0" eaLnBrk="1" fontAlgn="auto" latinLnBrk="0" hangingPunct="1">
+              <a:lnSpc>
+                <a:spcPct val="100000"/>
+              </a:lnSpc>
+              <a:spcBef>
+                <a:spcPts val="0"/>
+              </a:spcBef>
+              <a:spcAft>
+                <a:spcPts val="0"/>
+              </a:spcAft>
+              <a:buClr>
+                <a:srgbClr val="000000"/>
+              </a:buClr>
+              <a:buSzPts val="1100"/>
+              <a:buFont typeface="Arial"/>
+              <a:buNone/>
+              <a:tabLst/>
+              <a:defRPr/>
+            </a:pPr>
+            <a:r>
+              <a:rPr lang="uk-UA" dirty="0"/>
+              <a:t>огляд методів виявлення фейкових новин</a:t>
+            </a:r>
+          </a:p>
+          <a:p>
+            <a:pPr marL="0" marR="0" lvl="0" indent="0" algn="l" defTabSz="914400" rtl="0" eaLnBrk="1" fontAlgn="auto" latinLnBrk="0" hangingPunct="1">
+              <a:lnSpc>
+                <a:spcPct val="100000"/>
+              </a:lnSpc>
+              <a:spcBef>
+                <a:spcPts val="0"/>
+              </a:spcBef>
+              <a:spcAft>
+                <a:spcPts val="0"/>
+              </a:spcAft>
+              <a:buClr>
+                <a:srgbClr val="000000"/>
+              </a:buClr>
+              <a:buSzPts val="1100"/>
+              <a:buFont typeface="Arial"/>
+              <a:buNone/>
+              <a:tabLst/>
+              <a:defRPr/>
+            </a:pPr>
+            <a:r>
+              <a:rPr lang="uk-UA" dirty="0"/>
+              <a:t>застосування </a:t>
+            </a:r>
+            <a:r>
+              <a:rPr lang="en-US" dirty="0"/>
+              <a:t>CNN </a:t>
+            </a:r>
+            <a:r>
+              <a:rPr lang="uk-UA" dirty="0"/>
+              <a:t>для виявлення маніпулятивного контенту. </a:t>
+            </a:r>
+          </a:p>
+          <a:p>
+            <a:pPr marL="0" marR="0" lvl="0" indent="0" algn="l" defTabSz="914400" rtl="0" eaLnBrk="1" fontAlgn="auto" latinLnBrk="0" hangingPunct="1">
+              <a:lnSpc>
+                <a:spcPct val="100000"/>
+              </a:lnSpc>
+              <a:spcBef>
+                <a:spcPts val="0"/>
+              </a:spcBef>
+              <a:spcAft>
+                <a:spcPts val="0"/>
+              </a:spcAft>
+              <a:buClr>
+                <a:srgbClr val="000000"/>
+              </a:buClr>
+              <a:buSzPts val="1100"/>
+              <a:buFont typeface="Arial"/>
+              <a:buNone/>
+              <a:tabLst/>
+              <a:defRPr/>
+            </a:pPr>
+            <a:r>
+              <a:rPr lang="uk-UA" dirty="0"/>
+              <a:t>дослідження </a:t>
+            </a:r>
+            <a:r>
+              <a:rPr lang="en-US" dirty="0"/>
+              <a:t>NLP-</a:t>
+            </a:r>
+            <a:r>
+              <a:rPr lang="uk-UA" dirty="0"/>
+              <a:t>методів для аналізу </a:t>
+            </a:r>
+            <a:r>
+              <a:rPr lang="uk-UA" dirty="0" err="1"/>
+              <a:t>нови</a:t>
+            </a:r>
+            <a:endParaRPr lang="uk-UA" dirty="0"/>
+          </a:p>
+          <a:p>
+            <a:pPr marL="0" marR="0" lvl="0" indent="0" algn="l" defTabSz="914400" rtl="0" eaLnBrk="1" fontAlgn="auto" latinLnBrk="0" hangingPunct="1">
+              <a:lnSpc>
+                <a:spcPct val="100000"/>
+              </a:lnSpc>
+              <a:spcBef>
+                <a:spcPts val="0"/>
+              </a:spcBef>
+              <a:spcAft>
+                <a:spcPts val="0"/>
+              </a:spcAft>
+              <a:buClr>
+                <a:srgbClr val="000000"/>
+              </a:buClr>
+              <a:buSzPts val="1100"/>
+              <a:buFont typeface="Arial"/>
+              <a:buNone/>
+              <a:tabLst/>
+              <a:defRPr/>
+            </a:pPr>
+            <a:r>
+              <a:rPr lang="uk-UA" dirty="0"/>
+              <a:t>лінгвістичні аспекти дезінформації. </a:t>
+            </a:r>
+          </a:p>
+          <a:p>
+            <a:pPr marL="0" marR="0" lvl="0" indent="0" algn="l" defTabSz="914400" rtl="0" eaLnBrk="1" fontAlgn="auto" latinLnBrk="0" hangingPunct="1">
+              <a:lnSpc>
+                <a:spcPct val="100000"/>
+              </a:lnSpc>
+              <a:spcBef>
+                <a:spcPts val="0"/>
+              </a:spcBef>
+              <a:spcAft>
+                <a:spcPts val="0"/>
+              </a:spcAft>
+              <a:buClr>
+                <a:srgbClr val="000000"/>
+              </a:buClr>
+              <a:buSzPts val="1100"/>
+              <a:buFont typeface="Arial"/>
+              <a:buNone/>
+              <a:tabLst/>
+              <a:defRPr/>
+            </a:pPr>
+            <a:r>
+              <a:rPr lang="uk-UA" dirty="0"/>
+              <a:t>порівняння ефективність класичних моделей </a:t>
+            </a:r>
+            <a:r>
+              <a:rPr lang="en-US" dirty="0"/>
+              <a:t>ML.</a:t>
+            </a:r>
+            <a:endParaRPr lang="uk-UA" dirty="0"/>
+          </a:p>
+          <a:p>
+            <a:pPr marL="0" marR="0" lvl="0" indent="0" algn="l" defTabSz="914400" rtl="0" eaLnBrk="1" fontAlgn="auto" latinLnBrk="0" hangingPunct="1">
+              <a:lnSpc>
+                <a:spcPct val="100000"/>
+              </a:lnSpc>
+              <a:spcBef>
+                <a:spcPts val="0"/>
+              </a:spcBef>
+              <a:spcAft>
+                <a:spcPts val="0"/>
+              </a:spcAft>
+              <a:buClr>
+                <a:srgbClr val="000000"/>
+              </a:buClr>
+              <a:buSzPts val="1100"/>
+              <a:buFont typeface="Arial"/>
+              <a:buNone/>
+              <a:tabLst/>
+              <a:defRPr/>
+            </a:pPr>
+            <a:r>
+              <a:rPr lang="uk-UA" dirty="0"/>
+              <a:t>мультимодальні рішення, які об’єднують текстові та візуальні ознаки.</a:t>
+            </a:r>
+          </a:p>
+          <a:p>
             <a:pPr marL="0" lvl="0" indent="0" algn="l" rtl="0">
               <a:spcBef>
                 <a:spcPts val="0"/>
@@ -2390,7 +3125,7 @@
               </a:spcAft>
               <a:buNone/>
             </a:pPr>
-            <a:endParaRPr/>
+            <a:endParaRPr dirty="0"/>
           </a:p>
         </p:txBody>
       </p:sp>
@@ -2517,6 +3252,10 @@
               </a:spcAft>
               <a:buNone/>
             </a:pPr>
+            <a:r>
+              <a:rPr lang="uk-UA" dirty="0"/>
+              <a:t>До прогалин можна віднести:</a:t>
+            </a:r>
             <a:endParaRPr dirty="0"/>
           </a:p>
         </p:txBody>
@@ -2616,6 +3355,31 @@
             <a:noAutofit/>
           </a:bodyPr>
           <a:lstStyle/>
+          <a:p>
+            <a:pPr marL="0" marR="0" lvl="0" indent="0" algn="l" defTabSz="914400" rtl="0" eaLnBrk="1" fontAlgn="auto" latinLnBrk="0" hangingPunct="1">
+              <a:lnSpc>
+                <a:spcPct val="100000"/>
+              </a:lnSpc>
+              <a:spcBef>
+                <a:spcPts val="0"/>
+              </a:spcBef>
+              <a:spcAft>
+                <a:spcPts val="0"/>
+              </a:spcAft>
+              <a:buClr>
+                <a:srgbClr val="000000"/>
+              </a:buClr>
+              <a:buSzPts val="1100"/>
+              <a:buFont typeface="Arial"/>
+              <a:buNone/>
+              <a:tabLst/>
+              <a:defRPr/>
+            </a:pPr>
+            <a:r>
+              <a:rPr lang="uk-UA" dirty="0"/>
+              <a:t>Проблема, яку я вирішував, полягає в тому, що існуючі інструменти не забезпечують балансу між точністю, швидкодією та можливістю впровадження. Метою було створення ефективної системи класифікації новин. Основні задачі: реалізувати систему, протестувати кілька моделей, оцінити їх за низкою критеріїв і обґрунтовано обрати найкращу для практичного використання.</a:t>
+            </a:r>
+          </a:p>
           <a:p>
             <a:pPr marL="0" lvl="0" indent="0" algn="l" rtl="0">
               <a:spcBef>
@@ -2739,6 +3503,199 @@
           </a:bodyPr>
           <a:lstStyle/>
           <a:p>
+            <a:pPr marL="0" marR="0" lvl="0" indent="0" algn="l" defTabSz="914400" rtl="0" eaLnBrk="1" fontAlgn="auto" latinLnBrk="0" hangingPunct="1">
+              <a:lnSpc>
+                <a:spcPct val="100000"/>
+              </a:lnSpc>
+              <a:spcBef>
+                <a:spcPts val="0"/>
+              </a:spcBef>
+              <a:spcAft>
+                <a:spcPts val="0"/>
+              </a:spcAft>
+              <a:buClr>
+                <a:srgbClr val="000000"/>
+              </a:buClr>
+              <a:buSzPts val="1100"/>
+              <a:buFont typeface="Arial"/>
+              <a:buNone/>
+              <a:tabLst/>
+              <a:defRPr/>
+            </a:pPr>
+            <a:r>
+              <a:rPr lang="uk-UA" dirty="0"/>
+              <a:t>Використано такі методології:</a:t>
+            </a:r>
+          </a:p>
+          <a:p>
+            <a:pPr marL="0" marR="0" lvl="0" indent="0" algn="l" defTabSz="914400" rtl="0" eaLnBrk="1" fontAlgn="auto" latinLnBrk="0" hangingPunct="1">
+              <a:lnSpc>
+                <a:spcPct val="100000"/>
+              </a:lnSpc>
+              <a:spcBef>
+                <a:spcPts val="0"/>
+              </a:spcBef>
+              <a:spcAft>
+                <a:spcPts val="0"/>
+              </a:spcAft>
+              <a:buClr>
+                <a:srgbClr val="000000"/>
+              </a:buClr>
+              <a:buSzPts val="1100"/>
+              <a:buFont typeface="Arial"/>
+              <a:buNone/>
+              <a:tabLst/>
+              <a:defRPr/>
+            </a:pPr>
+            <a:r>
+              <a:rPr lang="uk-UA" dirty="0"/>
+              <a:t>аналіз наукових джерел;</a:t>
+            </a:r>
+          </a:p>
+          <a:p>
+            <a:pPr marL="0" marR="0" lvl="0" indent="0" algn="l" defTabSz="914400" rtl="0" eaLnBrk="1" fontAlgn="auto" latinLnBrk="0" hangingPunct="1">
+              <a:lnSpc>
+                <a:spcPct val="100000"/>
+              </a:lnSpc>
+              <a:spcBef>
+                <a:spcPts val="0"/>
+              </a:spcBef>
+              <a:spcAft>
+                <a:spcPts val="0"/>
+              </a:spcAft>
+              <a:buClr>
+                <a:srgbClr val="000000"/>
+              </a:buClr>
+              <a:buSzPts val="1100"/>
+              <a:buFont typeface="Arial"/>
+              <a:buNone/>
+              <a:tabLst/>
+              <a:defRPr/>
+            </a:pPr>
+            <a:r>
+              <a:rPr lang="uk-UA" dirty="0"/>
+              <a:t>застосування багатокритеріального аналізу; і підсумкову систематизацію результаті</a:t>
+            </a:r>
+          </a:p>
+          <a:p>
+            <a:pPr marL="0" marR="0" lvl="0" indent="0" algn="l" defTabSz="914400" rtl="0" eaLnBrk="1" fontAlgn="auto" latinLnBrk="0" hangingPunct="1">
+              <a:lnSpc>
+                <a:spcPct val="100000"/>
+              </a:lnSpc>
+              <a:spcBef>
+                <a:spcPts val="0"/>
+              </a:spcBef>
+              <a:spcAft>
+                <a:spcPts val="0"/>
+              </a:spcAft>
+              <a:buClr>
+                <a:srgbClr val="000000"/>
+              </a:buClr>
+              <a:buSzPts val="1100"/>
+              <a:buFont typeface="Arial"/>
+              <a:buNone/>
+              <a:tabLst/>
+              <a:defRPr/>
+            </a:pPr>
+            <a:r>
+              <a:rPr lang="uk-UA" sz="1100" dirty="0"/>
+              <a:t>експериментальне дослідження: застосування трьох моделей машинного навчання </a:t>
+            </a:r>
+            <a:endParaRPr lang="uk-UA" dirty="0"/>
+          </a:p>
+          <a:p>
+            <a:pPr marL="0" marR="0" lvl="0" indent="0" algn="l" defTabSz="914400" rtl="0" eaLnBrk="1" fontAlgn="auto" latinLnBrk="0" hangingPunct="1">
+              <a:lnSpc>
+                <a:spcPct val="100000"/>
+              </a:lnSpc>
+              <a:spcBef>
+                <a:spcPts val="0"/>
+              </a:spcBef>
+              <a:spcAft>
+                <a:spcPts val="0"/>
+              </a:spcAft>
+              <a:buClr>
+                <a:srgbClr val="000000"/>
+              </a:buClr>
+              <a:buSzPts val="1100"/>
+              <a:buFont typeface="Arial"/>
+              <a:buNone/>
+              <a:tabLst/>
+              <a:defRPr/>
+            </a:pPr>
+            <a:r>
+              <a:rPr lang="ru-RU" noProof="0" dirty="0" err="1"/>
+              <a:t>систематизація</a:t>
+            </a:r>
+            <a:r>
+              <a:rPr lang="ru-RU" noProof="0" dirty="0"/>
+              <a:t> </a:t>
+            </a:r>
+            <a:r>
+              <a:rPr lang="ru-RU" noProof="0" dirty="0" err="1"/>
+              <a:t>даних</a:t>
+            </a:r>
+            <a:r>
+              <a:rPr lang="ru-RU" noProof="0" dirty="0"/>
+              <a:t> –  </a:t>
+            </a:r>
+            <a:r>
+              <a:rPr lang="ru-RU" noProof="0" dirty="0" err="1"/>
+              <a:t>аналіз</a:t>
+            </a:r>
+            <a:r>
+              <a:rPr lang="ru-RU" noProof="0" dirty="0"/>
+              <a:t> та </a:t>
+            </a:r>
+            <a:r>
+              <a:rPr lang="ru-RU" noProof="0" dirty="0" err="1"/>
+              <a:t>узагальнення</a:t>
+            </a:r>
+            <a:r>
+              <a:rPr lang="ru-RU" noProof="0" dirty="0"/>
+              <a:t> </a:t>
+            </a:r>
+            <a:r>
+              <a:rPr lang="ru-RU" noProof="0" dirty="0" err="1"/>
+              <a:t>результатів</a:t>
+            </a:r>
+            <a:r>
+              <a:rPr lang="ru-RU" noProof="0" dirty="0"/>
+              <a:t> </a:t>
+            </a:r>
+            <a:r>
+              <a:rPr lang="ru-RU" noProof="0" dirty="0" err="1"/>
+              <a:t>експериментів</a:t>
+            </a:r>
+            <a:r>
+              <a:rPr lang="ru-RU" dirty="0"/>
+              <a:t>.</a:t>
+            </a:r>
+            <a:endParaRPr lang="uk-UA" dirty="0"/>
+          </a:p>
+          <a:p>
+            <a:pPr marL="0" marR="0" lvl="0" indent="0" algn="l" defTabSz="914400" rtl="0" eaLnBrk="1" fontAlgn="auto" latinLnBrk="0" hangingPunct="1">
+              <a:lnSpc>
+                <a:spcPct val="100000"/>
+              </a:lnSpc>
+              <a:spcBef>
+                <a:spcPts val="0"/>
+              </a:spcBef>
+              <a:spcAft>
+                <a:spcPts val="0"/>
+              </a:spcAft>
+              <a:buClr>
+                <a:srgbClr val="000000"/>
+              </a:buClr>
+              <a:buSzPts val="1100"/>
+              <a:buFont typeface="Arial"/>
+              <a:buNone/>
+              <a:tabLst/>
+              <a:defRPr/>
+            </a:pPr>
+            <a:endParaRPr lang="uk-UA" dirty="0"/>
+          </a:p>
+          <a:p>
             <a:pPr marL="0" lvl="0" indent="0" algn="l" rtl="0">
               <a:spcBef>
                 <a:spcPts val="0"/>
@@ -2748,7 +3705,7 @@
               </a:spcAft>
               <a:buNone/>
             </a:pPr>
-            <a:endParaRPr/>
+            <a:endParaRPr dirty="0"/>
           </a:p>
         </p:txBody>
       </p:sp>
@@ -2866,16 +3823,46 @@
           </a:bodyPr>
           <a:lstStyle/>
           <a:p>
-            <a:pPr marL="0" lvl="0" indent="0" algn="l" rtl="0">
-              <a:spcBef>
-                <a:spcPts val="0"/>
-              </a:spcBef>
-              <a:spcAft>
-                <a:spcPts val="0"/>
-              </a:spcAft>
-              <a:buNone/>
+            <a:pPr marL="0" marR="0" lvl="0" indent="0" algn="l" defTabSz="914400" rtl="0" eaLnBrk="1" fontAlgn="auto" latinLnBrk="0" hangingPunct="1">
+              <a:lnSpc>
+                <a:spcPct val="100000"/>
+              </a:lnSpc>
+              <a:spcBef>
+                <a:spcPts val="0"/>
+              </a:spcBef>
+              <a:spcAft>
+                <a:spcPts val="0"/>
+              </a:spcAft>
+              <a:buClr>
+                <a:srgbClr val="000000"/>
+              </a:buClr>
+              <a:buSzPts val="1100"/>
+              <a:buFont typeface="Arial"/>
+              <a:buNone/>
+              <a:tabLst/>
+              <a:defRPr/>
             </a:pPr>
-            <a:endParaRPr/>
+            <a:r>
+              <a:rPr lang="uk-UA" dirty="0"/>
+              <a:t>Для забезпечення об’єктивності багатокритеріального аналізу, вхідними даними для дослідження стали відкриті </a:t>
+            </a:r>
+            <a:r>
+              <a:rPr lang="uk-UA" dirty="0" err="1"/>
+              <a:t>датасети</a:t>
+            </a:r>
+            <a:r>
+              <a:rPr lang="uk-UA" dirty="0"/>
+              <a:t> з новинами, офіційна документація бібліотек машинного навчання, наукові публікації з тематики </a:t>
+            </a:r>
+            <a:r>
+              <a:rPr lang="en-US" dirty="0"/>
+              <a:t>NLP, </a:t>
+            </a:r>
+            <a:r>
+              <a:rPr lang="uk-UA" dirty="0"/>
+              <a:t>а також статистичні характеристики з результатів класифікації.</a:t>
+            </a:r>
+            <a:endParaRPr dirty="0"/>
           </a:p>
         </p:txBody>
       </p:sp>
@@ -2993,6 +3980,136 @@
           </a:bodyPr>
           <a:lstStyle/>
           <a:p>
+            <a:r>
+              <a:rPr lang="uk-UA" b="1" dirty="0"/>
+              <a:t>Для оцінювання моделей машинного навчання використовувалося 5 ключових критеріїв:</a:t>
+            </a:r>
+            <a:br>
+              <a:rPr lang="uk-UA" dirty="0"/>
+            </a:br>
+            <a:r>
+              <a:rPr lang="uk-UA" dirty="0"/>
+              <a:t>– </a:t>
+            </a:r>
+            <a:r>
+              <a:rPr lang="uk-UA" b="1" dirty="0"/>
+              <a:t>точність класифікації</a:t>
+            </a:r>
+            <a:r>
+              <a:rPr lang="uk-UA" dirty="0"/>
+              <a:t> — частка правильно класифікованих новин серед усіх прикладів;</a:t>
+            </a:r>
+            <a:br>
+              <a:rPr lang="uk-UA" dirty="0"/>
+            </a:br>
+            <a:r>
+              <a:rPr lang="uk-UA" dirty="0"/>
+              <a:t>– </a:t>
+            </a:r>
+            <a:r>
+              <a:rPr lang="uk-UA" b="1" dirty="0"/>
+              <a:t>швидкість навчання моделі</a:t>
+            </a:r>
+            <a:r>
+              <a:rPr lang="uk-UA" dirty="0"/>
+              <a:t> — час, необхідний для тренування моделі на навчальній вибірці;</a:t>
+            </a:r>
+            <a:br>
+              <a:rPr lang="uk-UA" dirty="0"/>
+            </a:br>
+            <a:r>
+              <a:rPr lang="uk-UA" dirty="0"/>
+              <a:t>– </a:t>
+            </a:r>
+            <a:r>
+              <a:rPr lang="uk-UA" b="1" dirty="0"/>
+              <a:t>швидкість прогнозування</a:t>
+            </a:r>
+            <a:r>
+              <a:rPr lang="uk-UA" dirty="0"/>
+              <a:t> — середній час, за який модель приймає рішення для одного прикладу;</a:t>
+            </a:r>
+            <a:br>
+              <a:rPr lang="uk-UA" dirty="0"/>
+            </a:br>
+            <a:r>
+              <a:rPr lang="uk-UA" dirty="0"/>
+              <a:t>– </a:t>
+            </a:r>
+            <a:r>
+              <a:rPr lang="uk-UA" b="1" dirty="0"/>
+              <a:t>використання пам’яті</a:t>
+            </a:r>
+            <a:r>
+              <a:rPr lang="uk-UA" dirty="0"/>
+              <a:t> — кількість оперативної пам’яті, яку споживає модель під час роботи;</a:t>
+            </a:r>
+            <a:br>
+              <a:rPr lang="uk-UA" dirty="0"/>
+            </a:br>
+            <a:r>
+              <a:rPr lang="uk-UA" dirty="0"/>
+              <a:t>– </a:t>
+            </a:r>
+            <a:r>
+              <a:rPr lang="uk-UA" b="1" dirty="0"/>
+              <a:t>простота використання моделі</a:t>
+            </a:r>
+            <a:r>
+              <a:rPr lang="uk-UA" dirty="0"/>
+              <a:t> — легкість реалізації, документація, стабільність, підтримка в бібліотеках.</a:t>
+            </a:r>
+          </a:p>
+          <a:p>
+            <a:r>
+              <a:rPr lang="uk-UA" b="1" dirty="0"/>
+              <a:t>Аналіз виконувався наступним чином:</a:t>
+            </a:r>
+            <a:br>
+              <a:rPr lang="uk-UA" dirty="0"/>
+            </a:br>
+            <a:r>
+              <a:rPr lang="uk-UA" dirty="0"/>
+              <a:t>– збір інформації про кожну модель;</a:t>
+            </a:r>
+            <a:br>
+              <a:rPr lang="uk-UA" dirty="0"/>
+            </a:br>
+            <a:r>
+              <a:rPr lang="uk-UA" dirty="0"/>
+              <a:t>– нормалізація оцінок за критеріями в діапазоні від 0 до 1;</a:t>
+            </a:r>
+            <a:br>
+              <a:rPr lang="uk-UA" dirty="0"/>
+            </a:br>
+            <a:r>
+              <a:rPr lang="uk-UA" dirty="0"/>
+              <a:t>– визначення вагових коефіцієнтів для кожного критерію;</a:t>
+            </a:r>
+            <a:br>
+              <a:rPr lang="uk-UA" dirty="0"/>
+            </a:br>
+            <a:r>
+              <a:rPr lang="uk-UA" dirty="0"/>
+              <a:t>– застосування </a:t>
+            </a:r>
+            <a:r>
+              <a:rPr lang="uk-UA" dirty="0" err="1"/>
+              <a:t>згорткової</a:t>
+            </a:r>
+            <a:r>
+              <a:rPr lang="uk-UA" dirty="0"/>
+              <a:t> функції з урахуванням ваг;</a:t>
+            </a:r>
+            <a:br>
+              <a:rPr lang="uk-UA" dirty="0"/>
+            </a:br>
+            <a:r>
+              <a:rPr lang="uk-UA" dirty="0"/>
+              <a:t>– обрахування інтегральної оцінки та ранжування моделей за ефективністю.</a:t>
+            </a:r>
+          </a:p>
+          <a:p>
             <a:pPr marL="158750" indent="0">
               <a:buNone/>
             </a:pPr>
@@ -3113,6 +4230,118 @@
             <a:noAutofit/>
           </a:bodyPr>
           <a:lstStyle/>
+          <a:p>
+            <a:r>
+              <a:rPr lang="uk-UA" dirty="0"/>
+              <a:t>Було проаналізовано 5 моделей: </a:t>
+            </a:r>
+            <a:r>
+              <a:rPr lang="en-US" dirty="0"/>
+              <a:t>Logistic Regression, SVM, Random Forest, </a:t>
+            </a:r>
+            <a:r>
+              <a:rPr lang="en-US" dirty="0" err="1"/>
+              <a:t>XGBoost</a:t>
+            </a:r>
+            <a:r>
+              <a:rPr lang="en-US" dirty="0"/>
+              <a:t> </a:t>
+            </a:r>
+            <a:r>
+              <a:rPr lang="uk-UA" dirty="0"/>
+              <a:t>і </a:t>
+            </a:r>
+            <a:r>
+              <a:rPr lang="en-US" dirty="0"/>
+              <a:t>BERT</a:t>
+            </a:r>
+            <a:endParaRPr lang="uk-UA" dirty="0"/>
+          </a:p>
+          <a:p>
+            <a:r>
+              <a:rPr lang="en-US" b="1" dirty="0"/>
+              <a:t>Logistic Regression</a:t>
+            </a:r>
+            <a:r>
+              <a:rPr lang="en-US" dirty="0"/>
+              <a:t> — </a:t>
+            </a:r>
+            <a:r>
+              <a:rPr lang="uk-UA" dirty="0"/>
+              <a:t>має найкращий баланс точності, простоти реалізації та швидкодії; </a:t>
+            </a:r>
+          </a:p>
+          <a:p>
+            <a:r>
+              <a:rPr lang="uk-UA" dirty="0"/>
+              <a:t>– </a:t>
+            </a:r>
+            <a:r>
+              <a:rPr lang="en-US" b="1" dirty="0"/>
+              <a:t>Support Vector Machine (SVM)</a:t>
+            </a:r>
+            <a:r>
+              <a:rPr lang="en-US" dirty="0"/>
+              <a:t> — </a:t>
+            </a:r>
+            <a:r>
+              <a:rPr lang="uk-UA" dirty="0"/>
+              <a:t>продемонструвала високу точність класифікації при прийнятному рівні споживання ресурсів;</a:t>
+            </a:r>
+          </a:p>
+          <a:p>
+            <a:r>
+              <a:rPr lang="uk-UA" dirty="0"/>
+              <a:t>– </a:t>
+            </a:r>
+            <a:r>
+              <a:rPr lang="en-US" b="1" dirty="0" err="1"/>
+              <a:t>XGBoost</a:t>
+            </a:r>
+            <a:r>
+              <a:rPr lang="en-US" dirty="0"/>
+              <a:t> — </a:t>
+            </a:r>
+            <a:r>
+              <a:rPr lang="uk-UA" dirty="0"/>
+              <a:t>дещо поступається за швидкодією, але є однією з найточніших моделей.</a:t>
+            </a:r>
+          </a:p>
+          <a:p>
+            <a:r>
+              <a:rPr lang="uk-UA" dirty="0"/>
+              <a:t>Моделі </a:t>
+            </a:r>
+            <a:r>
+              <a:rPr lang="en-US" b="1" dirty="0"/>
+              <a:t>Random Forest</a:t>
+            </a:r>
+            <a:r>
+              <a:rPr lang="en-US" dirty="0"/>
+              <a:t> </a:t>
+            </a:r>
+            <a:r>
+              <a:rPr lang="uk-UA" dirty="0"/>
+              <a:t>та </a:t>
+            </a:r>
+            <a:r>
+              <a:rPr lang="en-US" b="1" dirty="0"/>
+              <a:t>BERT</a:t>
+            </a:r>
+            <a:r>
+              <a:rPr lang="en-US" dirty="0"/>
+              <a:t> </a:t>
+            </a:r>
+            <a:r>
+              <a:rPr lang="uk-UA" dirty="0"/>
+              <a:t>не потрапили до Парето-множини через гірші показники за кількома критеріями одночасно: високу тривалість навчання і класифікації, а також значне </a:t>
+            </a:r>
+            <a:r>
+              <a:rPr lang="uk-UA" dirty="0" err="1"/>
+              <a:t>використанн</a:t>
+            </a:r>
+            <a:endParaRPr lang="uk-UA" dirty="0"/>
+          </a:p>
           <a:p>
             <a:pPr marL="158750" indent="0">
               <a:buNone/>
@@ -10243,8 +11472,8 @@
           </a:p>
         </p:txBody>
       </p:sp>
-      <mc:AlternateContent xmlns:mc="http://schemas.openxmlformats.org/markup-compatibility/2006">
-        <mc:Choice xmlns:a14="http://schemas.microsoft.com/office/drawing/2010/main" Requires="a14">
+      <mc:AlternateContent xmlns:mc="http://schemas.openxmlformats.org/markup-compatibility/2006" xmlns:a14="http://schemas.microsoft.com/office/drawing/2010/main">
+        <mc:Choice Requires="a14">
           <p:sp>
             <p:nvSpPr>
               <p:cNvPr id="86" name="Google Shape;86;p16">
@@ -10627,16 +11856,7 @@
                               </a:highlight>
                               <a:latin typeface="Cambria Math" panose="02040503050406030204" pitchFamily="18" charset="0"/>
                             </a:rPr>
-                            <m:t>𝑇</m:t>
-                          </m:r>
-                          <m:r>
-                            <a:rPr lang="en-US" sz="2200" i="1">
-                              <a:highlight>
-                                <a:srgbClr val="FFFFFF"/>
-                              </a:highlight>
-                              <a:latin typeface="Cambria Math" panose="02040503050406030204" pitchFamily="18" charset="0"/>
-                            </a:rPr>
-                            <m:t>𝑃</m:t>
+                            <m:t>𝑇𝑃</m:t>
                           </m:r>
                         </m:num>
                         <m:den>
@@ -10703,7 +11923,7 @@
             </p:txBody>
           </p:sp>
         </mc:Choice>
-        <mc:Fallback>
+        <mc:Fallback xmlns="">
           <p:sp>
             <p:nvSpPr>
               <p:cNvPr id="86" name="Google Shape;86;p16">
@@ -13159,7 +14379,7 @@
                 <a:ea typeface="Open Sans" panose="020B0606030504020204" pitchFamily="34" charset="0"/>
                 <a:cs typeface="Open Sans" panose="020B0606030504020204" pitchFamily="34" charset="0"/>
               </a:rPr>
-              <a:t>Класифікація</a:t>
+              <a:t>класифікація</a:t>
             </a:r>
             <a:r>
               <a:rPr lang="ru-RU" dirty="0">
@@ -13344,7 +14564,7 @@
                 <a:ea typeface="Open Sans" panose="020B0606030504020204" pitchFamily="34" charset="0"/>
                 <a:cs typeface="Open Sans" panose="020B0606030504020204" pitchFamily="34" charset="0"/>
               </a:rPr>
-              <a:t>Ефективність</a:t>
+              <a:t>ефективність</a:t>
             </a:r>
             <a:r>
               <a:rPr lang="ru-RU" dirty="0">
@@ -13421,7 +14641,7 @@
                 <a:ea typeface="Open Sans" panose="020B0606030504020204" pitchFamily="34" charset="0"/>
                 <a:cs typeface="Open Sans" panose="020B0606030504020204" pitchFamily="34" charset="0"/>
               </a:rPr>
-              <a:t>підтверджена</a:t>
+              <a:t>підтверджено</a:t>
             </a:r>
             <a:r>
               <a:rPr lang="ru-RU" dirty="0">
@@ -13432,8 +14652,17 @@
                 <a:ea typeface="Open Sans" panose="020B0606030504020204" pitchFamily="34" charset="0"/>
                 <a:cs typeface="Open Sans" panose="020B0606030504020204" pitchFamily="34" charset="0"/>
               </a:rPr>
-              <a:t> </a:t>
-            </a:r>
+              <a:t>;</a:t>
+            </a:r>
+          </a:p>
+          <a:p>
+            <a:pPr marL="285750" lvl="0" indent="-285750" algn="just">
+              <a:spcBef>
+                <a:spcPts val="1500"/>
+              </a:spcBef>
+              <a:buFont typeface="Open Sans" panose="020B0606030504020204" pitchFamily="34" charset="0"/>
+              <a:buChar char="−"/>
+            </a:pPr>
             <a:r>
               <a:rPr lang="ru-RU" dirty="0" err="1">
                 <a:solidFill>
@@ -13443,7 +14672,7 @@
                 <a:ea typeface="Open Sans" panose="020B0606030504020204" pitchFamily="34" charset="0"/>
                 <a:cs typeface="Open Sans" panose="020B0606030504020204" pitchFamily="34" charset="0"/>
               </a:rPr>
-              <a:t>емпірично</a:t>
+              <a:t>глибинні</a:t>
             </a:r>
             <a:r>
               <a:rPr lang="ru-RU" dirty="0">
@@ -13454,17 +14683,8 @@
                 <a:ea typeface="Open Sans" panose="020B0606030504020204" pitchFamily="34" charset="0"/>
                 <a:cs typeface="Open Sans" panose="020B0606030504020204" pitchFamily="34" charset="0"/>
               </a:rPr>
-              <a:t>;</a:t>
-            </a:r>
-          </a:p>
-          <a:p>
-            <a:pPr marL="285750" lvl="0" indent="-285750" algn="just">
-              <a:spcBef>
-                <a:spcPts val="1500"/>
-              </a:spcBef>
-              <a:buFont typeface="Open Sans" panose="020B0606030504020204" pitchFamily="34" charset="0"/>
-              <a:buChar char="−"/>
-            </a:pPr>
+              <a:t> </a:t>
+            </a:r>
             <a:r>
               <a:rPr lang="ru-RU" dirty="0" err="1">
                 <a:solidFill>
@@ -13474,7 +14694,7 @@
                 <a:ea typeface="Open Sans" panose="020B0606030504020204" pitchFamily="34" charset="0"/>
                 <a:cs typeface="Open Sans" panose="020B0606030504020204" pitchFamily="34" charset="0"/>
               </a:rPr>
-              <a:t>Глибинні</a:t>
+              <a:t>моделі</a:t>
             </a:r>
             <a:r>
               <a:rPr lang="ru-RU" dirty="0">
@@ -13485,7 +14705,18 @@
                 <a:ea typeface="Open Sans" panose="020B0606030504020204" pitchFamily="34" charset="0"/>
                 <a:cs typeface="Open Sans" panose="020B0606030504020204" pitchFamily="34" charset="0"/>
               </a:rPr>
-              <a:t> </a:t>
+              <a:t> (</a:t>
+            </a:r>
+            <a:r>
+              <a:rPr lang="en-US" dirty="0">
+                <a:solidFill>
+                  <a:srgbClr val="0D0D0D"/>
+                </a:solidFill>
+                <a:latin typeface="Open Sans" panose="020B0606030504020204" pitchFamily="34" charset="0"/>
+                <a:ea typeface="Open Sans" panose="020B0606030504020204" pitchFamily="34" charset="0"/>
+                <a:cs typeface="Open Sans" panose="020B0606030504020204" pitchFamily="34" charset="0"/>
+              </a:rPr>
+              <a:t>CNN, BERT) </a:t>
             </a:r>
             <a:r>
               <a:rPr lang="ru-RU" dirty="0" err="1">
@@ -13496,7 +14727,7 @@
                 <a:ea typeface="Open Sans" panose="020B0606030504020204" pitchFamily="34" charset="0"/>
                 <a:cs typeface="Open Sans" panose="020B0606030504020204" pitchFamily="34" charset="0"/>
               </a:rPr>
-              <a:t>моделі</a:t>
+              <a:t>забезпечують</a:t>
             </a:r>
             <a:r>
               <a:rPr lang="ru-RU" dirty="0">
@@ -13507,18 +14738,7 @@
                 <a:ea typeface="Open Sans" panose="020B0606030504020204" pitchFamily="34" charset="0"/>
                 <a:cs typeface="Open Sans" panose="020B0606030504020204" pitchFamily="34" charset="0"/>
               </a:rPr>
-              <a:t> (</a:t>
-            </a:r>
-            <a:r>
-              <a:rPr lang="en-US" dirty="0">
-                <a:solidFill>
-                  <a:srgbClr val="0D0D0D"/>
-                </a:solidFill>
-                <a:latin typeface="Open Sans" panose="020B0606030504020204" pitchFamily="34" charset="0"/>
-                <a:ea typeface="Open Sans" panose="020B0606030504020204" pitchFamily="34" charset="0"/>
-                <a:cs typeface="Open Sans" panose="020B0606030504020204" pitchFamily="34" charset="0"/>
-              </a:rPr>
-              <a:t>CNN, BERT) </a:t>
+              <a:t> </a:t>
             </a:r>
             <a:r>
               <a:rPr lang="ru-RU" dirty="0" err="1">
@@ -13529,7 +14749,7 @@
                 <a:ea typeface="Open Sans" panose="020B0606030504020204" pitchFamily="34" charset="0"/>
                 <a:cs typeface="Open Sans" panose="020B0606030504020204" pitchFamily="34" charset="0"/>
               </a:rPr>
-              <a:t>забезпечують</a:t>
+              <a:t>вищу</a:t>
             </a:r>
             <a:r>
               <a:rPr lang="ru-RU" dirty="0">
@@ -13551,7 +14771,7 @@
                 <a:ea typeface="Open Sans" panose="020B0606030504020204" pitchFamily="34" charset="0"/>
                 <a:cs typeface="Open Sans" panose="020B0606030504020204" pitchFamily="34" charset="0"/>
               </a:rPr>
-              <a:t>вищу</a:t>
+              <a:t>точність</a:t>
             </a:r>
             <a:r>
               <a:rPr lang="ru-RU" dirty="0">
@@ -13562,7 +14782,7 @@
                 <a:ea typeface="Open Sans" panose="020B0606030504020204" pitchFamily="34" charset="0"/>
                 <a:cs typeface="Open Sans" panose="020B0606030504020204" pitchFamily="34" charset="0"/>
               </a:rPr>
-              <a:t> </a:t>
+              <a:t>, </a:t>
             </a:r>
             <a:r>
               <a:rPr lang="ru-RU" dirty="0" err="1">
@@ -13573,7 +14793,7 @@
                 <a:ea typeface="Open Sans" panose="020B0606030504020204" pitchFamily="34" charset="0"/>
                 <a:cs typeface="Open Sans" panose="020B0606030504020204" pitchFamily="34" charset="0"/>
               </a:rPr>
-              <a:t>точність</a:t>
+              <a:t>але</a:t>
             </a:r>
             <a:r>
               <a:rPr lang="ru-RU" dirty="0">
@@ -13584,7 +14804,7 @@
                 <a:ea typeface="Open Sans" panose="020B0606030504020204" pitchFamily="34" charset="0"/>
                 <a:cs typeface="Open Sans" panose="020B0606030504020204" pitchFamily="34" charset="0"/>
               </a:rPr>
-              <a:t>, </a:t>
+              <a:t> </a:t>
             </a:r>
             <a:r>
               <a:rPr lang="ru-RU" dirty="0" err="1">
@@ -13595,7 +14815,7 @@
                 <a:ea typeface="Open Sans" panose="020B0606030504020204" pitchFamily="34" charset="0"/>
                 <a:cs typeface="Open Sans" panose="020B0606030504020204" pitchFamily="34" charset="0"/>
               </a:rPr>
-              <a:t>але</a:t>
+              <a:t>потребують</a:t>
             </a:r>
             <a:r>
               <a:rPr lang="ru-RU" dirty="0">
@@ -13617,7 +14837,7 @@
                 <a:ea typeface="Open Sans" panose="020B0606030504020204" pitchFamily="34" charset="0"/>
                 <a:cs typeface="Open Sans" panose="020B0606030504020204" pitchFamily="34" charset="0"/>
               </a:rPr>
-              <a:t>потребують</a:t>
+              <a:t>більше</a:t>
             </a:r>
             <a:r>
               <a:rPr lang="ru-RU" dirty="0">
@@ -13639,7 +14859,7 @@
                 <a:ea typeface="Open Sans" panose="020B0606030504020204" pitchFamily="34" charset="0"/>
                 <a:cs typeface="Open Sans" panose="020B0606030504020204" pitchFamily="34" charset="0"/>
               </a:rPr>
-              <a:t>більше</a:t>
+              <a:t>ресурсів</a:t>
             </a:r>
             <a:r>
               <a:rPr lang="ru-RU" dirty="0">
@@ -13650,8 +14870,17 @@
                 <a:ea typeface="Open Sans" panose="020B0606030504020204" pitchFamily="34" charset="0"/>
                 <a:cs typeface="Open Sans" panose="020B0606030504020204" pitchFamily="34" charset="0"/>
               </a:rPr>
-              <a:t> </a:t>
-            </a:r>
+              <a:t>;</a:t>
+            </a:r>
+          </a:p>
+          <a:p>
+            <a:pPr marL="285750" lvl="0" indent="-285750" algn="just">
+              <a:spcBef>
+                <a:spcPts val="1500"/>
+              </a:spcBef>
+              <a:buFont typeface="Open Sans" panose="020B0606030504020204" pitchFamily="34" charset="0"/>
+              <a:buChar char="−"/>
+            </a:pPr>
             <a:r>
               <a:rPr lang="ru-RU" dirty="0" err="1">
                 <a:solidFill>
@@ -13661,38 +14890,7 @@
                 <a:ea typeface="Open Sans" panose="020B0606030504020204" pitchFamily="34" charset="0"/>
                 <a:cs typeface="Open Sans" panose="020B0606030504020204" pitchFamily="34" charset="0"/>
               </a:rPr>
-              <a:t>ресурсів</a:t>
-            </a:r>
-            <a:r>
-              <a:rPr lang="ru-RU" dirty="0">
-                <a:solidFill>
-                  <a:srgbClr val="0D0D0D"/>
-                </a:solidFill>
-                <a:latin typeface="Open Sans" panose="020B0606030504020204" pitchFamily="34" charset="0"/>
-                <a:ea typeface="Open Sans" panose="020B0606030504020204" pitchFamily="34" charset="0"/>
-                <a:cs typeface="Open Sans" panose="020B0606030504020204" pitchFamily="34" charset="0"/>
-              </a:rPr>
-              <a:t>;</a:t>
-            </a:r>
-          </a:p>
-          <a:p>
-            <a:pPr marL="285750" lvl="0" indent="-285750" algn="just">
-              <a:spcBef>
-                <a:spcPts val="1500"/>
-              </a:spcBef>
-              <a:buFont typeface="Open Sans" panose="020B0606030504020204" pitchFamily="34" charset="0"/>
-              <a:buChar char="−"/>
-            </a:pPr>
-            <a:r>
-              <a:rPr lang="ru-RU" dirty="0" err="1">
-                <a:solidFill>
-                  <a:srgbClr val="0D0D0D"/>
-                </a:solidFill>
-                <a:latin typeface="Open Sans" panose="020B0606030504020204" pitchFamily="34" charset="0"/>
-                <a:ea typeface="Open Sans" panose="020B0606030504020204" pitchFamily="34" charset="0"/>
-                <a:cs typeface="Open Sans" panose="020B0606030504020204" pitchFamily="34" charset="0"/>
-              </a:rPr>
-              <a:t>Використання</a:t>
+              <a:t>використання</a:t>
             </a:r>
             <a:r>
               <a:rPr lang="ru-RU" dirty="0">
@@ -14317,14 +15515,6 @@
             <a:r>
               <a:rPr lang="ru-RU" dirty="0" err="1"/>
               <a:t>системи</a:t>
-            </a:r>
-            <a:r>
-              <a:rPr lang="ru-RU" dirty="0"/>
-              <a:t> </a:t>
-            </a:r>
-            <a:r>
-              <a:rPr lang="ru-RU" dirty="0" err="1"/>
-              <a:t>автоматичної</a:t>
             </a:r>
             <a:r>
               <a:rPr lang="ru-RU" dirty="0"/>
@@ -14685,7 +15875,7 @@
             </a:pPr>
             <a:r>
               <a:rPr lang="uk-UA" sz="1500" dirty="0"/>
-              <a:t>експериментальне дослідження: застосування трьох моделей машинного навчання </a:t>
+              <a:t>багатокритеріальний аналіз: оцінка точності, швидкості, споживання ресурсів </a:t>
             </a:r>
           </a:p>
           <a:p>
@@ -14695,7 +15885,7 @@
             </a:pPr>
             <a:r>
               <a:rPr lang="uk-UA" sz="1500" dirty="0"/>
-              <a:t>багатокритеріальний аналіз: оцінка точності, швидкості, споживання ресурсів </a:t>
+              <a:t>експериментальне дослідження: три моделі машинного навчання</a:t>
             </a:r>
           </a:p>
           <a:p>
@@ -16195,8 +17385,8 @@
           </a:p>
         </p:txBody>
       </p:sp>
-      <mc:AlternateContent xmlns:mc="http://schemas.openxmlformats.org/markup-compatibility/2006">
-        <mc:Choice xmlns:a14="http://schemas.microsoft.com/office/drawing/2010/main" Requires="a14">
+      <mc:AlternateContent xmlns:mc="http://schemas.openxmlformats.org/markup-compatibility/2006" xmlns:a14="http://schemas.microsoft.com/office/drawing/2010/main">
+        <mc:Choice Requires="a14">
           <p:sp>
             <p:nvSpPr>
               <p:cNvPr id="5" name="Місце для тексту 4">
@@ -16240,116 +17430,156 @@
                       <m:f>
                         <m:fPr>
                           <m:ctrlPr>
-                            <a:rPr lang="uk-UA" i="1"/>
+                            <a:rPr lang="uk-UA" i="1">
+                              <a:latin typeface="Cambria Math" panose="02040503050406030204" pitchFamily="18" charset="0"/>
+                            </a:rPr>
                           </m:ctrlPr>
                         </m:fPr>
                         <m:num>
                           <m:r>
-                            <a:rPr lang="uk-UA" i="1"/>
+                            <a:rPr lang="uk-UA" i="1">
+                              <a:latin typeface="Cambria Math" panose="02040503050406030204" pitchFamily="18" charset="0"/>
+                            </a:rPr>
                             <m:t>5</m:t>
                           </m:r>
                         </m:num>
                         <m:den>
                           <m:r>
-                            <a:rPr lang="uk-UA" i="1"/>
+                            <a:rPr lang="uk-UA" i="1">
+                              <a:latin typeface="Cambria Math" panose="02040503050406030204" pitchFamily="18" charset="0"/>
+                            </a:rPr>
                             <m:t>15</m:t>
                           </m:r>
                         </m:den>
                       </m:f>
                       <m:r>
-                        <a:rPr lang="uk-UA" i="1"/>
+                        <a:rPr lang="uk-UA" i="1">
+                          <a:latin typeface="Cambria Math" panose="02040503050406030204" pitchFamily="18" charset="0"/>
+                        </a:rPr>
                         <m:t>∗0.8+</m:t>
                       </m:r>
                       <m:f>
                         <m:fPr>
                           <m:ctrlPr>
-                            <a:rPr lang="uk-UA" i="1"/>
+                            <a:rPr lang="uk-UA" i="1">
+                              <a:latin typeface="Cambria Math" panose="02040503050406030204" pitchFamily="18" charset="0"/>
+                            </a:rPr>
                           </m:ctrlPr>
                         </m:fPr>
                         <m:num>
                           <m:r>
-                            <a:rPr lang="uk-UA" i="1"/>
+                            <a:rPr lang="uk-UA" i="1">
+                              <a:latin typeface="Cambria Math" panose="02040503050406030204" pitchFamily="18" charset="0"/>
+                            </a:rPr>
                             <m:t>4</m:t>
                           </m:r>
                         </m:num>
                         <m:den>
                           <m:r>
-                            <a:rPr lang="uk-UA" i="1"/>
+                            <a:rPr lang="uk-UA" i="1">
+                              <a:latin typeface="Cambria Math" panose="02040503050406030204" pitchFamily="18" charset="0"/>
+                            </a:rPr>
                             <m:t>15</m:t>
                           </m:r>
                         </m:den>
                       </m:f>
                       <m:r>
-                        <a:rPr lang="uk-UA" i="1"/>
+                        <a:rPr lang="uk-UA" i="1">
+                          <a:latin typeface="Cambria Math" panose="02040503050406030204" pitchFamily="18" charset="0"/>
+                        </a:rPr>
                         <m:t>∗0.99+</m:t>
                       </m:r>
                       <m:f>
                         <m:fPr>
                           <m:ctrlPr>
-                            <a:rPr lang="uk-UA" i="1"/>
+                            <a:rPr lang="uk-UA" i="1">
+                              <a:latin typeface="Cambria Math" panose="02040503050406030204" pitchFamily="18" charset="0"/>
+                            </a:rPr>
                           </m:ctrlPr>
                         </m:fPr>
                         <m:num>
                           <m:r>
-                            <a:rPr lang="uk-UA" i="1"/>
+                            <a:rPr lang="uk-UA" i="1">
+                              <a:latin typeface="Cambria Math" panose="02040503050406030204" pitchFamily="18" charset="0"/>
+                            </a:rPr>
                             <m:t>3</m:t>
                           </m:r>
                         </m:num>
                         <m:den>
                           <m:r>
-                            <a:rPr lang="uk-UA" i="1"/>
+                            <a:rPr lang="uk-UA" i="1">
+                              <a:latin typeface="Cambria Math" panose="02040503050406030204" pitchFamily="18" charset="0"/>
+                            </a:rPr>
                             <m:t>15</m:t>
                           </m:r>
                         </m:den>
                       </m:f>
                       <m:r>
-                        <a:rPr lang="uk-UA" i="1"/>
+                        <a:rPr lang="uk-UA" i="1">
+                          <a:latin typeface="Cambria Math" panose="02040503050406030204" pitchFamily="18" charset="0"/>
+                        </a:rPr>
                         <m:t>∗0.99+</m:t>
                       </m:r>
                       <m:f>
                         <m:fPr>
                           <m:ctrlPr>
-                            <a:rPr lang="uk-UA" i="1"/>
+                            <a:rPr lang="uk-UA" i="1">
+                              <a:latin typeface="Cambria Math" panose="02040503050406030204" pitchFamily="18" charset="0"/>
+                            </a:rPr>
                           </m:ctrlPr>
                         </m:fPr>
                         <m:num>
                           <m:r>
-                            <a:rPr lang="uk-UA" i="1"/>
+                            <a:rPr lang="uk-UA" i="1">
+                              <a:latin typeface="Cambria Math" panose="02040503050406030204" pitchFamily="18" charset="0"/>
+                            </a:rPr>
                             <m:t>2</m:t>
                           </m:r>
                         </m:num>
                         <m:den>
                           <m:r>
-                            <a:rPr lang="uk-UA" i="1"/>
+                            <a:rPr lang="uk-UA" i="1">
+                              <a:latin typeface="Cambria Math" panose="02040503050406030204" pitchFamily="18" charset="0"/>
+                            </a:rPr>
                             <m:t>15</m:t>
                           </m:r>
                         </m:den>
                       </m:f>
                       <m:r>
-                        <a:rPr lang="uk-UA" i="1"/>
+                        <a:rPr lang="uk-UA" i="1">
+                          <a:latin typeface="Cambria Math" panose="02040503050406030204" pitchFamily="18" charset="0"/>
+                        </a:rPr>
                         <m:t>∗1+</m:t>
                       </m:r>
                       <m:f>
                         <m:fPr>
                           <m:ctrlPr>
-                            <a:rPr lang="uk-UA" i="1"/>
+                            <a:rPr lang="uk-UA" i="1">
+                              <a:latin typeface="Cambria Math" panose="02040503050406030204" pitchFamily="18" charset="0"/>
+                            </a:rPr>
                           </m:ctrlPr>
                         </m:fPr>
                         <m:num>
                           <m:r>
-                            <a:rPr lang="uk-UA" i="1"/>
+                            <a:rPr lang="uk-UA" i="1">
+                              <a:latin typeface="Cambria Math" panose="02040503050406030204" pitchFamily="18" charset="0"/>
+                            </a:rPr>
                             <m:t>1</m:t>
                           </m:r>
                         </m:num>
                         <m:den>
                           <m:r>
-                            <a:rPr lang="uk-UA" i="1"/>
+                            <a:rPr lang="uk-UA" i="1">
+                              <a:latin typeface="Cambria Math" panose="02040503050406030204" pitchFamily="18" charset="0"/>
+                            </a:rPr>
                             <m:t>15</m:t>
                           </m:r>
                         </m:den>
                       </m:f>
                       <m:r>
-                        <a:rPr lang="uk-UA" i="1"/>
+                        <a:rPr lang="uk-UA" i="1">
+                          <a:latin typeface="Cambria Math" panose="02040503050406030204" pitchFamily="18" charset="0"/>
+                        </a:rPr>
                         <m:t>∗1=0.87</m:t>
                       </m:r>
                     </m:oMath>
@@ -16380,132 +17610,180 @@
                       <m:f>
                         <m:fPr>
                           <m:ctrlPr>
-                            <a:rPr lang="uk-UA" i="1"/>
+                            <a:rPr lang="uk-UA" i="1">
+                              <a:latin typeface="Cambria Math" panose="02040503050406030204" pitchFamily="18" charset="0"/>
+                            </a:rPr>
                           </m:ctrlPr>
                         </m:fPr>
                         <m:num>
                           <m:r>
-                            <a:rPr lang="uk-UA" i="1"/>
+                            <a:rPr lang="uk-UA" i="1">
+                              <a:latin typeface="Cambria Math" panose="02040503050406030204" pitchFamily="18" charset="0"/>
+                            </a:rPr>
                             <m:t>5</m:t>
                           </m:r>
                         </m:num>
                         <m:den>
                           <m:r>
-                            <a:rPr lang="uk-UA" i="1"/>
+                            <a:rPr lang="uk-UA" i="1">
+                              <a:latin typeface="Cambria Math" panose="02040503050406030204" pitchFamily="18" charset="0"/>
+                            </a:rPr>
                             <m:t>15</m:t>
                           </m:r>
                         </m:den>
                       </m:f>
                       <m:r>
-                        <a:rPr lang="uk-UA" i="1"/>
+                        <a:rPr lang="uk-UA" i="1">
+                          <a:latin typeface="Cambria Math" panose="02040503050406030204" pitchFamily="18" charset="0"/>
+                        </a:rPr>
                         <m:t>∗0</m:t>
                       </m:r>
                       <m:r>
-                        <a:rPr lang="en-US" i="1"/>
+                        <a:rPr lang="en-US" i="1">
+                          <a:latin typeface="Cambria Math" panose="02040503050406030204" pitchFamily="18" charset="0"/>
+                        </a:rPr>
                         <m:t>.94</m:t>
                       </m:r>
                       <m:r>
-                        <a:rPr lang="uk-UA" i="1"/>
+                        <a:rPr lang="uk-UA" i="1">
+                          <a:latin typeface="Cambria Math" panose="02040503050406030204" pitchFamily="18" charset="0"/>
+                        </a:rPr>
                         <m:t>+</m:t>
                       </m:r>
                       <m:f>
                         <m:fPr>
                           <m:ctrlPr>
-                            <a:rPr lang="uk-UA" i="1"/>
+                            <a:rPr lang="uk-UA" i="1">
+                              <a:latin typeface="Cambria Math" panose="02040503050406030204" pitchFamily="18" charset="0"/>
+                            </a:rPr>
                           </m:ctrlPr>
                         </m:fPr>
                         <m:num>
                           <m:r>
-                            <a:rPr lang="uk-UA" i="1"/>
+                            <a:rPr lang="uk-UA" i="1">
+                              <a:latin typeface="Cambria Math" panose="02040503050406030204" pitchFamily="18" charset="0"/>
+                            </a:rPr>
                             <m:t>4</m:t>
                           </m:r>
                         </m:num>
                         <m:den>
                           <m:r>
-                            <a:rPr lang="uk-UA" i="1"/>
+                            <a:rPr lang="uk-UA" i="1">
+                              <a:latin typeface="Cambria Math" panose="02040503050406030204" pitchFamily="18" charset="0"/>
+                            </a:rPr>
                             <m:t>15</m:t>
                           </m:r>
                         </m:den>
                       </m:f>
                       <m:r>
-                        <a:rPr lang="uk-UA" i="1"/>
+                        <a:rPr lang="uk-UA" i="1">
+                          <a:latin typeface="Cambria Math" panose="02040503050406030204" pitchFamily="18" charset="0"/>
+                        </a:rPr>
                         <m:t>∗0.600+</m:t>
                       </m:r>
                       <m:f>
                         <m:fPr>
                           <m:ctrlPr>
-                            <a:rPr lang="uk-UA" i="1"/>
+                            <a:rPr lang="uk-UA" i="1">
+                              <a:latin typeface="Cambria Math" panose="02040503050406030204" pitchFamily="18" charset="0"/>
+                            </a:rPr>
                           </m:ctrlPr>
                         </m:fPr>
                         <m:num>
                           <m:r>
-                            <a:rPr lang="uk-UA" i="1"/>
+                            <a:rPr lang="uk-UA" i="1">
+                              <a:latin typeface="Cambria Math" panose="02040503050406030204" pitchFamily="18" charset="0"/>
+                            </a:rPr>
                             <m:t>3</m:t>
                           </m:r>
                         </m:num>
                         <m:den>
                           <m:r>
-                            <a:rPr lang="uk-UA" i="1"/>
+                            <a:rPr lang="uk-UA" i="1">
+                              <a:latin typeface="Cambria Math" panose="02040503050406030204" pitchFamily="18" charset="0"/>
+                            </a:rPr>
                             <m:t>15</m:t>
                           </m:r>
                         </m:den>
                       </m:f>
                       <m:r>
-                        <a:rPr lang="uk-UA" i="1"/>
+                        <a:rPr lang="uk-UA" i="1">
+                          <a:latin typeface="Cambria Math" panose="02040503050406030204" pitchFamily="18" charset="0"/>
+                        </a:rPr>
                         <m:t>∗0.</m:t>
                       </m:r>
                       <m:r>
-                        <a:rPr lang="en-US" i="1"/>
+                        <a:rPr lang="en-US" i="1">
+                          <a:latin typeface="Cambria Math" panose="02040503050406030204" pitchFamily="18" charset="0"/>
+                        </a:rPr>
                         <m:t>75</m:t>
                       </m:r>
                       <m:r>
-                        <a:rPr lang="uk-UA" i="1"/>
+                        <a:rPr lang="uk-UA" i="1">
+                          <a:latin typeface="Cambria Math" panose="02040503050406030204" pitchFamily="18" charset="0"/>
+                        </a:rPr>
                         <m:t>+</m:t>
                       </m:r>
                       <m:f>
                         <m:fPr>
                           <m:ctrlPr>
-                            <a:rPr lang="uk-UA" i="1"/>
+                            <a:rPr lang="uk-UA" i="1">
+                              <a:latin typeface="Cambria Math" panose="02040503050406030204" pitchFamily="18" charset="0"/>
+                            </a:rPr>
                           </m:ctrlPr>
                         </m:fPr>
                         <m:num>
                           <m:r>
-                            <a:rPr lang="uk-UA" i="1"/>
+                            <a:rPr lang="uk-UA" i="1">
+                              <a:latin typeface="Cambria Math" panose="02040503050406030204" pitchFamily="18" charset="0"/>
+                            </a:rPr>
                             <m:t>2</m:t>
                           </m:r>
                         </m:num>
                         <m:den>
                           <m:r>
-                            <a:rPr lang="uk-UA" i="1"/>
+                            <a:rPr lang="uk-UA" i="1">
+                              <a:latin typeface="Cambria Math" panose="02040503050406030204" pitchFamily="18" charset="0"/>
+                            </a:rPr>
                             <m:t>15</m:t>
                           </m:r>
                         </m:den>
                       </m:f>
                       <m:r>
-                        <a:rPr lang="uk-UA" i="1"/>
+                        <a:rPr lang="uk-UA" i="1">
+                          <a:latin typeface="Cambria Math" panose="02040503050406030204" pitchFamily="18" charset="0"/>
+                        </a:rPr>
                         <m:t>∗0.5+</m:t>
                       </m:r>
                       <m:f>
                         <m:fPr>
                           <m:ctrlPr>
-                            <a:rPr lang="uk-UA" i="1"/>
+                            <a:rPr lang="uk-UA" i="1">
+                              <a:latin typeface="Cambria Math" panose="02040503050406030204" pitchFamily="18" charset="0"/>
+                            </a:rPr>
                           </m:ctrlPr>
                         </m:fPr>
                         <m:num>
                           <m:r>
-                            <a:rPr lang="uk-UA" i="1"/>
+                            <a:rPr lang="uk-UA" i="1">
+                              <a:latin typeface="Cambria Math" panose="02040503050406030204" pitchFamily="18" charset="0"/>
+                            </a:rPr>
                             <m:t>1</m:t>
                           </m:r>
                         </m:num>
                         <m:den>
                           <m:r>
-                            <a:rPr lang="uk-UA" i="1"/>
+                            <a:rPr lang="uk-UA" i="1">
+                              <a:latin typeface="Cambria Math" panose="02040503050406030204" pitchFamily="18" charset="0"/>
+                            </a:rPr>
                             <m:t>15</m:t>
                           </m:r>
                         </m:den>
                       </m:f>
                       <m:r>
-                        <a:rPr lang="uk-UA" i="1"/>
+                        <a:rPr lang="uk-UA" i="1">
+                          <a:latin typeface="Cambria Math" panose="02040503050406030204" pitchFamily="18" charset="0"/>
+                        </a:rPr>
                         <m:t>∗0.5=0.77</m:t>
                       </m:r>
                     </m:oMath>
@@ -16544,132 +17822,180 @@
                       <m:f>
                         <m:fPr>
                           <m:ctrlPr>
-                            <a:rPr lang="uk-UA" i="1"/>
+                            <a:rPr lang="uk-UA" i="1">
+                              <a:latin typeface="Cambria Math" panose="02040503050406030204" pitchFamily="18" charset="0"/>
+                            </a:rPr>
                           </m:ctrlPr>
                         </m:fPr>
                         <m:num>
                           <m:r>
-                            <a:rPr lang="uk-UA" i="1"/>
+                            <a:rPr lang="uk-UA" i="1">
+                              <a:latin typeface="Cambria Math" panose="02040503050406030204" pitchFamily="18" charset="0"/>
+                            </a:rPr>
                             <m:t>5</m:t>
                           </m:r>
                         </m:num>
                         <m:den>
                           <m:r>
-                            <a:rPr lang="uk-UA" i="1"/>
+                            <a:rPr lang="uk-UA" i="1">
+                              <a:latin typeface="Cambria Math" panose="02040503050406030204" pitchFamily="18" charset="0"/>
+                            </a:rPr>
                             <m:t>15</m:t>
                           </m:r>
                         </m:den>
                       </m:f>
                       <m:r>
-                        <a:rPr lang="uk-UA" i="1"/>
+                        <a:rPr lang="uk-UA" i="1">
+                          <a:latin typeface="Cambria Math" panose="02040503050406030204" pitchFamily="18" charset="0"/>
+                        </a:rPr>
                         <m:t>∗0</m:t>
                       </m:r>
                       <m:r>
-                        <a:rPr lang="en-US" i="1"/>
+                        <a:rPr lang="en-US" i="1">
+                          <a:latin typeface="Cambria Math" panose="02040503050406030204" pitchFamily="18" charset="0"/>
+                        </a:rPr>
                         <m:t>.79</m:t>
                       </m:r>
                       <m:r>
-                        <a:rPr lang="uk-UA" i="1"/>
+                        <a:rPr lang="uk-UA" i="1">
+                          <a:latin typeface="Cambria Math" panose="02040503050406030204" pitchFamily="18" charset="0"/>
+                        </a:rPr>
                         <m:t>+</m:t>
                       </m:r>
                       <m:f>
                         <m:fPr>
                           <m:ctrlPr>
-                            <a:rPr lang="uk-UA" i="1"/>
+                            <a:rPr lang="uk-UA" i="1">
+                              <a:latin typeface="Cambria Math" panose="02040503050406030204" pitchFamily="18" charset="0"/>
+                            </a:rPr>
                           </m:ctrlPr>
                         </m:fPr>
                         <m:num>
                           <m:r>
-                            <a:rPr lang="uk-UA" i="1"/>
+                            <a:rPr lang="uk-UA" i="1">
+                              <a:latin typeface="Cambria Math" panose="02040503050406030204" pitchFamily="18" charset="0"/>
+                            </a:rPr>
                             <m:t>4</m:t>
                           </m:r>
                         </m:num>
                         <m:den>
                           <m:r>
-                            <a:rPr lang="uk-UA" i="1"/>
+                            <a:rPr lang="uk-UA" i="1">
+                              <a:latin typeface="Cambria Math" panose="02040503050406030204" pitchFamily="18" charset="0"/>
+                            </a:rPr>
                             <m:t>15</m:t>
                           </m:r>
                         </m:den>
                       </m:f>
                       <m:r>
-                        <a:rPr lang="uk-UA" i="1"/>
+                        <a:rPr lang="uk-UA" i="1">
+                          <a:latin typeface="Cambria Math" panose="02040503050406030204" pitchFamily="18" charset="0"/>
+                        </a:rPr>
                         <m:t>∗0.86+</m:t>
                       </m:r>
                       <m:f>
                         <m:fPr>
                           <m:ctrlPr>
-                            <a:rPr lang="uk-UA" i="1"/>
+                            <a:rPr lang="uk-UA" i="1">
+                              <a:latin typeface="Cambria Math" panose="02040503050406030204" pitchFamily="18" charset="0"/>
+                            </a:rPr>
                           </m:ctrlPr>
                         </m:fPr>
                         <m:num>
                           <m:r>
-                            <a:rPr lang="uk-UA" i="1"/>
+                            <a:rPr lang="uk-UA" i="1">
+                              <a:latin typeface="Cambria Math" panose="02040503050406030204" pitchFamily="18" charset="0"/>
+                            </a:rPr>
                             <m:t>3</m:t>
                           </m:r>
                         </m:num>
                         <m:den>
                           <m:r>
-                            <a:rPr lang="uk-UA" i="1"/>
+                            <a:rPr lang="uk-UA" i="1">
+                              <a:latin typeface="Cambria Math" panose="02040503050406030204" pitchFamily="18" charset="0"/>
+                            </a:rPr>
                             <m:t>15</m:t>
                           </m:r>
                         </m:den>
                       </m:f>
                       <m:r>
-                        <a:rPr lang="uk-UA" i="1"/>
+                        <a:rPr lang="uk-UA" i="1">
+                          <a:latin typeface="Cambria Math" panose="02040503050406030204" pitchFamily="18" charset="0"/>
+                        </a:rPr>
                         <m:t>∗0.9</m:t>
                       </m:r>
                       <m:r>
-                        <a:rPr lang="en-US" i="1"/>
+                        <a:rPr lang="en-US" i="1">
+                          <a:latin typeface="Cambria Math" panose="02040503050406030204" pitchFamily="18" charset="0"/>
+                        </a:rPr>
                         <m:t>3</m:t>
                       </m:r>
                       <m:r>
-                        <a:rPr lang="uk-UA" i="1"/>
+                        <a:rPr lang="uk-UA" i="1">
+                          <a:latin typeface="Cambria Math" panose="02040503050406030204" pitchFamily="18" charset="0"/>
+                        </a:rPr>
                         <m:t>+</m:t>
                       </m:r>
                       <m:f>
                         <m:fPr>
                           <m:ctrlPr>
-                            <a:rPr lang="uk-UA" i="1"/>
+                            <a:rPr lang="uk-UA" i="1">
+                              <a:latin typeface="Cambria Math" panose="02040503050406030204" pitchFamily="18" charset="0"/>
+                            </a:rPr>
                           </m:ctrlPr>
                         </m:fPr>
                         <m:num>
                           <m:r>
-                            <a:rPr lang="uk-UA" i="1"/>
+                            <a:rPr lang="uk-UA" i="1">
+                              <a:latin typeface="Cambria Math" panose="02040503050406030204" pitchFamily="18" charset="0"/>
+                            </a:rPr>
                             <m:t>2</m:t>
                           </m:r>
                         </m:num>
                         <m:den>
                           <m:r>
-                            <a:rPr lang="uk-UA" i="1"/>
+                            <a:rPr lang="uk-UA" i="1">
+                              <a:latin typeface="Cambria Math" panose="02040503050406030204" pitchFamily="18" charset="0"/>
+                            </a:rPr>
                             <m:t>15</m:t>
                           </m:r>
                         </m:den>
                       </m:f>
                       <m:r>
-                        <a:rPr lang="uk-UA" i="1"/>
+                        <a:rPr lang="uk-UA" i="1">
+                          <a:latin typeface="Cambria Math" panose="02040503050406030204" pitchFamily="18" charset="0"/>
+                        </a:rPr>
                         <m:t>∗0.5+</m:t>
                       </m:r>
                       <m:f>
                         <m:fPr>
                           <m:ctrlPr>
-                            <a:rPr lang="uk-UA" i="1"/>
+                            <a:rPr lang="uk-UA" i="1">
+                              <a:latin typeface="Cambria Math" panose="02040503050406030204" pitchFamily="18" charset="0"/>
+                            </a:rPr>
                           </m:ctrlPr>
                         </m:fPr>
                         <m:num>
                           <m:r>
-                            <a:rPr lang="uk-UA" i="1"/>
+                            <a:rPr lang="uk-UA" i="1">
+                              <a:latin typeface="Cambria Math" panose="02040503050406030204" pitchFamily="18" charset="0"/>
+                            </a:rPr>
                             <m:t>1</m:t>
                           </m:r>
                         </m:num>
                         <m:den>
                           <m:r>
-                            <a:rPr lang="uk-UA" i="1"/>
+                            <a:rPr lang="uk-UA" i="1">
+                              <a:latin typeface="Cambria Math" panose="02040503050406030204" pitchFamily="18" charset="0"/>
+                            </a:rPr>
                             <m:t>15</m:t>
                           </m:r>
                         </m:den>
                       </m:f>
                       <m:r>
-                        <a:rPr lang="uk-UA" i="1"/>
+                        <a:rPr lang="uk-UA" i="1">
+                          <a:latin typeface="Cambria Math" panose="02040503050406030204" pitchFamily="18" charset="0"/>
+                        </a:rPr>
                         <m:t>∗0.000=0.81</m:t>
                       </m:r>
                     </m:oMath>
@@ -16686,7 +18012,7 @@
             </p:txBody>
           </p:sp>
         </mc:Choice>
-        <mc:Fallback>
+        <mc:Fallback xmlns="">
           <p:sp>
             <p:nvSpPr>
               <p:cNvPr id="5" name="Місце для тексту 4">

--- a/2025_М_ПІ_ІПЗм-23-1_Шагун_А_С.pptx
+++ b/2025_М_ПІ_ІПЗм-23-1_Шагун_А_С.pptx
@@ -1132,7 +1132,15 @@
             </a:r>
             <a:r>
               <a:rPr lang="ru-RU" noProof="0" dirty="0" err="1"/>
-              <a:t>додатка</a:t>
+              <a:t>програмної</a:t>
+            </a:r>
+            <a:r>
+              <a:rPr lang="ru-RU" noProof="0" dirty="0"/>
+              <a:t> </a:t>
+            </a:r>
+            <a:r>
+              <a:rPr lang="ru-RU" noProof="0" dirty="0" err="1"/>
+              <a:t>системи</a:t>
             </a:r>
             <a:r>
               <a:rPr lang="ru-RU" noProof="0" dirty="0"/>
@@ -1533,7 +1541,15 @@
             </a:r>
             <a:r>
               <a:rPr lang="ru-RU" dirty="0" err="1"/>
-              <a:t>recall</a:t>
+              <a:t>показник</a:t>
+            </a:r>
+            <a:r>
+              <a:rPr lang="ru-RU" dirty="0"/>
+              <a:t> </a:t>
+            </a:r>
+            <a:r>
+              <a:rPr lang="ru-RU" dirty="0" err="1"/>
+              <a:t>повноти</a:t>
             </a:r>
             <a:r>
               <a:rPr lang="ru-RU" dirty="0"/>
@@ -1612,7 +1628,7 @@
             </a:r>
             <a:r>
               <a:rPr lang="ru-RU" dirty="0"/>
-              <a:t>, яку </a:t>
+              <a:t>, яка </a:t>
             </a:r>
             <a:r>
               <a:rPr lang="ru-RU" dirty="0" err="1"/>
@@ -1667,7 +1683,7 @@
             </a:r>
             <a:r>
               <a:rPr lang="ru-RU" dirty="0" err="1"/>
-              <a:t>precision</a:t>
+              <a:t>точність</a:t>
             </a:r>
             <a:r>
               <a:rPr lang="ru-RU" dirty="0"/>
@@ -2499,20 +2515,28 @@
             </a:pPr>
             <a:r>
               <a:rPr lang="uk-UA" dirty="0"/>
-              <a:t>Теоретичне та експериментальне дослідження продемонструвало ефективність використання моделей машинного навчання для класифікації фейкових новин. Реалізована </a:t>
-            </a:r>
-            <a:r>
-              <a:rPr lang="en-US" dirty="0"/>
-              <a:t>Python-</a:t>
-            </a:r>
-            <a:r>
-              <a:rPr lang="uk-UA" dirty="0"/>
-              <a:t>система дозволила виконати комплексне порівняння підходів за низкою метрик, включно з точністю, швидкодією та простотою впровадження.</a:t>
-            </a:r>
-          </a:p>
-          <a:p>
-            <a:pPr marL="158750" indent="0">
-              <a:buNone/>
+              <a:t>Теоретичне та експериментальне дослідження продемонструвало ефективність використання моделей машинного навчання для класифікації фейкових новин. Реалізована система дозволила виконати комплексне порівняння підходів.</a:t>
+            </a:r>
+          </a:p>
+          <a:p>
+            <a:pPr marL="0" marR="0" lvl="0" indent="0" algn="l" defTabSz="914400" rtl="0" eaLnBrk="1" fontAlgn="auto" latinLnBrk="0" hangingPunct="1">
+              <a:lnSpc>
+                <a:spcPct val="100000"/>
+              </a:lnSpc>
+              <a:spcBef>
+                <a:spcPts val="0"/>
+              </a:spcBef>
+              <a:spcAft>
+                <a:spcPts val="0"/>
+              </a:spcAft>
+              <a:buClr>
+                <a:srgbClr val="000000"/>
+              </a:buClr>
+              <a:buSzPts val="1100"/>
+              <a:buFont typeface="Arial"/>
+              <a:buNone/>
+              <a:tabLst/>
+              <a:defRPr/>
             </a:pPr>
             <a:r>
               <a:rPr lang="uk-UA" dirty="0"/>
@@ -2801,7 +2825,7 @@
             </a:pPr>
             <a:r>
               <a:rPr lang="uk-UA" dirty="0"/>
-              <a:t>Сьогодні фейкові новини є серйозною загрозою для інформаційної безпеки суспільства. Особливо актуальним є це питання в умовах воєнного часу, інформаційної війни, а також поширення контенту через соціальні мережі.</a:t>
+              <a:t>Сьогодні фейкові новини є серйозною загрозою для інформаційної безпеки суспільства. І це є особливо актуальним в умовах воєнного часу, інформаційної війни, а також поширення контенту через соціальні мережі.</a:t>
             </a:r>
           </a:p>
         </p:txBody>
@@ -2936,7 +2960,7 @@
             </a:pPr>
             <a:r>
               <a:rPr lang="uk-UA" dirty="0"/>
-              <a:t>Зробив огляд джерел, де основний акцент на:</a:t>
+              <a:t>Зробив огляд джерел, де основний акцент був на:</a:t>
             </a:r>
           </a:p>
           <a:p>
@@ -3027,13 +3051,8 @@
             </a:r>
             <a:r>
               <a:rPr lang="uk-UA" dirty="0"/>
-              <a:t>методів для аналізу </a:t>
-            </a:r>
-            <a:r>
-              <a:rPr lang="uk-UA" dirty="0" err="1"/>
-              <a:t>нови</a:t>
-            </a:r>
-            <a:endParaRPr lang="uk-UA" dirty="0"/>
+              <a:t>методів для аналізу новин</a:t>
+            </a:r>
           </a:p>
           <a:p>
             <a:pPr marL="0" marR="0" lvl="0" indent="0" algn="l" defTabSz="914400" rtl="0" eaLnBrk="1" fontAlgn="auto" latinLnBrk="0" hangingPunct="1">
@@ -3082,11 +3101,11 @@
             </a:pPr>
             <a:r>
               <a:rPr lang="uk-UA" dirty="0"/>
-              <a:t>порівняння ефективність класичних моделей </a:t>
+              <a:t>порівняння ефективності класичних моделей </a:t>
             </a:r>
             <a:r>
               <a:rPr lang="en-US" dirty="0"/>
-              <a:t>ML.</a:t>
+              <a:t>ML</a:t>
             </a:r>
             <a:endParaRPr lang="uk-UA" dirty="0"/>
           </a:p>
@@ -3574,7 +3593,7 @@
             </a:pPr>
             <a:r>
               <a:rPr lang="uk-UA" dirty="0"/>
-              <a:t>застосування багатокритеріального аналізу; і підсумкову систематизацію результаті</a:t>
+              <a:t>застосування багатокритеріального аналізу;</a:t>
             </a:r>
           </a:p>
           <a:p>
@@ -3599,7 +3618,7 @@
             </a:pPr>
             <a:r>
               <a:rPr lang="uk-UA" sz="1100" dirty="0"/>
-              <a:t>експериментальне дослідження: застосування трьох моделей машинного навчання </a:t>
+              <a:t>експериментальне дослідження: застосування трьох моделей машинного навчання; </a:t>
             </a:r>
             <a:endParaRPr lang="uk-UA" dirty="0"/>
           </a:p>
@@ -3844,7 +3863,7 @@
             </a:pPr>
             <a:r>
               <a:rPr lang="uk-UA" dirty="0"/>
-              <a:t>Для забезпечення об’єктивності багатокритеріального аналізу, вхідними даними для дослідження стали відкриті </a:t>
+              <a:t>Для забезпечення об’єктивності аналізу, вхідними даними для дослідження стали відкриті </a:t>
             </a:r>
             <a:r>
               <a:rPr lang="uk-UA" dirty="0" err="1"/>
@@ -4236,8 +4255,24 @@
               <a:t>Було проаналізовано 5 моделей: </a:t>
             </a:r>
             <a:r>
+              <a:rPr lang="uk-UA" dirty="0" err="1"/>
+              <a:t>Логістинча</a:t>
+            </a:r>
+            <a:r>
+              <a:rPr lang="uk-UA" dirty="0"/>
+              <a:t> регресія, Метод опорних векторів</a:t>
+            </a:r>
+            <a:r>
               <a:rPr lang="en-US" dirty="0"/>
-              <a:t>Logistic Regression, SVM, Random Forest, </a:t>
+              <a:t>, </a:t>
+            </a:r>
+            <a:r>
+              <a:rPr lang="uk-UA" dirty="0"/>
+              <a:t>Випадковий ліс</a:t>
+            </a:r>
+            <a:r>
+              <a:rPr lang="en-US" dirty="0"/>
+              <a:t>, </a:t>
             </a:r>
             <a:r>
               <a:rPr lang="en-US" dirty="0" err="1"/>
@@ -4259,8 +4294,42 @@
           </a:p>
           <a:p>
             <a:r>
-              <a:rPr lang="en-US" b="1" dirty="0"/>
-              <a:t>Logistic Regression</a:t>
+              <a:rPr lang="uk-UA" b="1" dirty="0" err="1"/>
+              <a:t>Логістинча</a:t>
+            </a:r>
+            <a:r>
+              <a:rPr lang="uk-UA" b="1" dirty="0"/>
+              <a:t> регресія </a:t>
+            </a:r>
+            <a:r>
+              <a:rPr lang="en-US" dirty="0"/>
+              <a:t>— </a:t>
+            </a:r>
+            <a:r>
+              <a:rPr lang="uk-UA" dirty="0"/>
+              <a:t>має найкращий баланс точності, простоти реалізації та швидкодії; </a:t>
+            </a:r>
+          </a:p>
+          <a:p>
+            <a:r>
+              <a:rPr lang="uk-UA" dirty="0"/>
+              <a:t>– </a:t>
+            </a:r>
+            <a:r>
+              <a:rPr lang="uk-UA" b="1" dirty="0"/>
+              <a:t>Метод </a:t>
+            </a:r>
+            <a:r>
+              <a:rPr lang="uk-UA" b="1" dirty="0" err="1"/>
+              <a:t>опопрних</a:t>
+            </a:r>
+            <a:r>
+              <a:rPr lang="uk-UA" b="1" dirty="0"/>
+              <a:t> </a:t>
+            </a:r>
+            <a:r>
+              <a:rPr lang="uk-UA" b="1" dirty="0" err="1"/>
+              <a:t>ветокрів</a:t>
             </a:r>
             <a:r>
               <a:rPr lang="en-US" dirty="0"/>
@@ -4268,7 +4337,7 @@
             </a:r>
             <a:r>
               <a:rPr lang="uk-UA" dirty="0"/>
-              <a:t>має найкращий баланс точності, простоти реалізації та швидкодії; </a:t>
+              <a:t>продемонструвала високу точність класифікації при прийнятному рівні споживання ресурсів;</a:t>
             </a:r>
           </a:p>
           <a:p>
@@ -4277,8 +4346,8 @@
               <a:t>– </a:t>
             </a:r>
             <a:r>
-              <a:rPr lang="en-US" b="1" dirty="0"/>
-              <a:t>Support Vector Machine (SVM)</a:t>
+              <a:rPr lang="en-US" b="1" dirty="0" err="1"/>
+              <a:t>XGBoost</a:t>
             </a:r>
             <a:r>
               <a:rPr lang="en-US" dirty="0"/>
@@ -4286,24 +4355,6 @@
             </a:r>
             <a:r>
               <a:rPr lang="uk-UA" dirty="0"/>
-              <a:t>продемонструвала високу точність класифікації при прийнятному рівні споживання ресурсів;</a:t>
-            </a:r>
-          </a:p>
-          <a:p>
-            <a:r>
-              <a:rPr lang="uk-UA" dirty="0"/>
-              <a:t>– </a:t>
-            </a:r>
-            <a:r>
-              <a:rPr lang="en-US" b="1" dirty="0" err="1"/>
-              <a:t>XGBoost</a:t>
-            </a:r>
-            <a:r>
-              <a:rPr lang="en-US" dirty="0"/>
-              <a:t> — </a:t>
-            </a:r>
-            <a:r>
-              <a:rPr lang="uk-UA" dirty="0"/>
               <a:t>дещо поступається за швидкодією, але є однією з найточніших моделей.</a:t>
             </a:r>
           </a:p>
@@ -4334,13 +4385,8 @@
             </a:r>
             <a:r>
               <a:rPr lang="uk-UA" dirty="0"/>
-              <a:t>не потрапили до Парето-множини через гірші показники за кількома критеріями одночасно: високу тривалість навчання і класифікації, а також значне </a:t>
-            </a:r>
-            <a:r>
-              <a:rPr lang="uk-UA" dirty="0" err="1"/>
-              <a:t>використанн</a:t>
-            </a:r>
-            <a:endParaRPr lang="uk-UA" dirty="0"/>
+              <a:t>не потрапили до Парето-множини через гірші показники за кількома критеріями одночасно: високу тривалість навчання і класифікації, а також значне використання ресурсів</a:t>
+            </a:r>
           </a:p>
           <a:p>
             <a:pPr marL="158750" indent="0">
@@ -11472,8 +11518,8 @@
           </a:p>
         </p:txBody>
       </p:sp>
-      <mc:AlternateContent xmlns:mc="http://schemas.openxmlformats.org/markup-compatibility/2006" xmlns:a14="http://schemas.microsoft.com/office/drawing/2010/main">
-        <mc:Choice Requires="a14">
+      <mc:AlternateContent xmlns:mc="http://schemas.openxmlformats.org/markup-compatibility/2006">
+        <mc:Choice xmlns:a14="http://schemas.microsoft.com/office/drawing/2010/main" Requires="a14">
           <p:sp>
             <p:nvSpPr>
               <p:cNvPr id="86" name="Google Shape;86;p16">
@@ -11901,15 +11947,6 @@
                     </m:oMath>
                   </m:oMathPara>
                 </a14:m>
-                <a:endParaRPr lang="en-US" sz="2200" dirty="0"/>
-              </a:p>
-              <a:p>
-                <a:pPr marL="114300" indent="0">
-                  <a:lnSpc>
-                    <a:spcPct val="200000"/>
-                  </a:lnSpc>
-                  <a:buNone/>
-                </a:pPr>
                 <a:endParaRPr lang="en-US" dirty="0"/>
               </a:p>
               <a:p>
@@ -11923,7 +11960,7 @@
             </p:txBody>
           </p:sp>
         </mc:Choice>
-        <mc:Fallback xmlns="">
+        <mc:Fallback>
           <p:sp>
             <p:nvSpPr>
               <p:cNvPr id="86" name="Google Shape;86;p16">
